--- a/Modesto/Apresentação, SpecSheet, etc/H2Oil-Project - Quinta.pptx
+++ b/Modesto/Apresentação, SpecSheet, etc/H2Oil-Project - Quinta.pptx
@@ -5,26 +5,16 @@
     <p:sldMasterId id="2147483696" r:id="rId1"/>
   </p:sldMasterIdLst>
   <p:notesMasterIdLst>
-    <p:notesMasterId r:id="rId16"/>
+    <p:notesMasterId r:id="rId6"/>
   </p:notesMasterIdLst>
   <p:handoutMasterIdLst>
-    <p:handoutMasterId r:id="rId17"/>
+    <p:handoutMasterId r:id="rId7"/>
   </p:handoutMasterIdLst>
   <p:sldIdLst>
-    <p:sldId id="261" r:id="rId2"/>
-    <p:sldId id="264" r:id="rId3"/>
-    <p:sldId id="265" r:id="rId4"/>
-    <p:sldId id="270" r:id="rId5"/>
-    <p:sldId id="266" r:id="rId6"/>
-    <p:sldId id="267" r:id="rId7"/>
-    <p:sldId id="262" r:id="rId8"/>
-    <p:sldId id="268" r:id="rId9"/>
-    <p:sldId id="257" r:id="rId10"/>
-    <p:sldId id="258" r:id="rId11"/>
-    <p:sldId id="259" r:id="rId12"/>
-    <p:sldId id="271" r:id="rId13"/>
-    <p:sldId id="272" r:id="rId14"/>
-    <p:sldId id="269" r:id="rId15"/>
+    <p:sldId id="257" r:id="rId2"/>
+    <p:sldId id="258" r:id="rId3"/>
+    <p:sldId id="259" r:id="rId4"/>
+    <p:sldId id="269" r:id="rId5"/>
   </p:sldIdLst>
   <p:sldSz cx="12192000" cy="6858000"/>
   <p:notesSz cx="6858000" cy="9144000"/>
@@ -158,7 +148,7 @@
           <p:cNvPr id="2" name="Espaço Reservado para Cabeçalho 1">
             <a:extLst>
               <a:ext uri="{FF2B5EF4-FFF2-40B4-BE49-F238E27FC236}">
-                <a16:creationId xmlns:a16="http://schemas.microsoft.com/office/drawing/2014/main" id="{4E8E4EC3-36C1-4454-9CEA-6FE554EAEBB8}"/>
+                <a16:creationId xmlns:a16="http://schemas.microsoft.com/office/drawing/2014/main" xmlns="" id="{4E8E4EC3-36C1-4454-9CEA-6FE554EAEBB8}"/>
               </a:ext>
             </a:extLst>
           </p:cNvPr>
@@ -198,7 +188,7 @@
           <p:cNvPr id="3" name="Espaço Reservado para Data 2">
             <a:extLst>
               <a:ext uri="{FF2B5EF4-FFF2-40B4-BE49-F238E27FC236}">
-                <a16:creationId xmlns:a16="http://schemas.microsoft.com/office/drawing/2014/main" id="{B49AE85F-78B5-428D-8613-DFD3E0A442E7}"/>
+                <a16:creationId xmlns:a16="http://schemas.microsoft.com/office/drawing/2014/main" xmlns="" id="{B49AE85F-78B5-428D-8613-DFD3E0A442E7}"/>
               </a:ext>
             </a:extLst>
           </p:cNvPr>
@@ -228,7 +218,7 @@
           <a:p>
             <a:fld id="{8397B72A-527D-4E20-9618-C91815D31170}" type="datetimeFigureOut">
               <a:rPr lang="pt-PT" smtClean="0"/>
-              <a:t>21/03/2018</a:t>
+              <a:t>14/06/2018</a:t>
             </a:fld>
             <a:endParaRPr lang="pt-PT"/>
           </a:p>
@@ -239,7 +229,7 @@
           <p:cNvPr id="4" name="Espaço Reservado para Rodapé 3">
             <a:extLst>
               <a:ext uri="{FF2B5EF4-FFF2-40B4-BE49-F238E27FC236}">
-                <a16:creationId xmlns:a16="http://schemas.microsoft.com/office/drawing/2014/main" id="{A535BF09-99E7-4F92-9C8F-1C9D438A199C}"/>
+                <a16:creationId xmlns:a16="http://schemas.microsoft.com/office/drawing/2014/main" xmlns="" id="{A535BF09-99E7-4F92-9C8F-1C9D438A199C}"/>
               </a:ext>
             </a:extLst>
           </p:cNvPr>
@@ -279,7 +269,7 @@
           <p:cNvPr id="5" name="Espaço Reservado para Número de Slide 4">
             <a:extLst>
               <a:ext uri="{FF2B5EF4-FFF2-40B4-BE49-F238E27FC236}">
-                <a16:creationId xmlns:a16="http://schemas.microsoft.com/office/drawing/2014/main" id="{FCD79D81-FC90-4250-A17D-77A0C3DD9E83}"/>
+                <a16:creationId xmlns:a16="http://schemas.microsoft.com/office/drawing/2014/main" xmlns="" id="{FCD79D81-FC90-4250-A17D-77A0C3DD9E83}"/>
               </a:ext>
             </a:extLst>
           </p:cNvPr>
@@ -309,7 +299,7 @@
           <a:p>
             <a:fld id="{8EB0B4A0-BE11-4312-8BCF-63AC2682066B}" type="slidenum">
               <a:rPr lang="pt-PT" smtClean="0"/>
-              <a:t>‹nº›</a:t>
+              <a:t>‹#›</a:t>
             </a:fld>
             <a:endParaRPr lang="pt-PT"/>
           </a:p>
@@ -412,7 +402,7 @@
           <a:p>
             <a:fld id="{6294BFB7-1A00-4CDF-80EF-C8189C4BF490}" type="datetimeFigureOut">
               <a:rPr lang="pt-PT" smtClean="0"/>
-              <a:t>21/03/2018</a:t>
+              <a:t>14/06/2018</a:t>
             </a:fld>
             <a:endParaRPr lang="pt-PT"/>
           </a:p>
@@ -574,7 +564,7 @@
           <a:p>
             <a:fld id="{A0A7C7A7-7B37-4B8E-B6F9-54B17E710A35}" type="slidenum">
               <a:rPr lang="pt-PT" smtClean="0"/>
-              <a:t>‹nº›</a:t>
+              <a:t>‹#›</a:t>
             </a:fld>
             <a:endParaRPr lang="pt-PT"/>
           </a:p>
@@ -912,7 +902,7 @@
           <a:p>
             <a:fld id="{6661D567-A873-4328-B87C-F38898F6436E}" type="datetime1">
               <a:rPr lang="pt-PT" smtClean="0"/>
-              <a:t>21/03/2018</a:t>
+              <a:t>14/06/2018</a:t>
             </a:fld>
             <a:endParaRPr lang="pt-PT"/>
           </a:p>
@@ -957,7 +947,7 @@
           <a:p>
             <a:fld id="{0A29BB10-B433-40F1-AAE4-246F5BAEB777}" type="slidenum">
               <a:rPr lang="pt-PT" smtClean="0"/>
-              <a:t>‹nº›</a:t>
+              <a:t>‹#›</a:t>
             </a:fld>
             <a:endParaRPr lang="pt-PT"/>
           </a:p>
@@ -1123,7 +1113,7 @@
           <a:p>
             <a:fld id="{74DE16DA-B095-41D6-8C8E-8EFD5518275F}" type="datetime1">
               <a:rPr lang="pt-PT" smtClean="0"/>
-              <a:t>21/03/2018</a:t>
+              <a:t>14/06/2018</a:t>
             </a:fld>
             <a:endParaRPr lang="pt-PT"/>
           </a:p>
@@ -1168,7 +1158,7 @@
           <a:p>
             <a:fld id="{0A29BB10-B433-40F1-AAE4-246F5BAEB777}" type="slidenum">
               <a:rPr lang="pt-PT" smtClean="0"/>
-              <a:t>‹nº›</a:t>
+              <a:t>‹#›</a:t>
             </a:fld>
             <a:endParaRPr lang="pt-PT"/>
           </a:p>
@@ -1384,7 +1374,7 @@
           <a:p>
             <a:fld id="{D2457DAF-3927-44CE-8096-C23D8CE7E7B8}" type="datetime1">
               <a:rPr lang="pt-PT" smtClean="0"/>
-              <a:t>21/03/2018</a:t>
+              <a:t>14/06/2018</a:t>
             </a:fld>
             <a:endParaRPr lang="pt-PT"/>
           </a:p>
@@ -1429,7 +1419,7 @@
           <a:p>
             <a:fld id="{0A29BB10-B433-40F1-AAE4-246F5BAEB777}" type="slidenum">
               <a:rPr lang="pt-PT" smtClean="0"/>
-              <a:t>‹nº›</a:t>
+              <a:t>‹#›</a:t>
             </a:fld>
             <a:endParaRPr lang="pt-PT"/>
           </a:p>
@@ -1557,7 +1547,7 @@
           <a:p>
             <a:fld id="{1EA575EF-1A24-4DFE-8532-9B63A065BF3F}" type="datetime1">
               <a:rPr lang="pt-PT" smtClean="0"/>
-              <a:t>21/03/2018</a:t>
+              <a:t>14/06/2018</a:t>
             </a:fld>
             <a:endParaRPr lang="pt-PT"/>
           </a:p>
@@ -1602,7 +1592,7 @@
           <a:p>
             <a:fld id="{0A29BB10-B433-40F1-AAE4-246F5BAEB777}" type="slidenum">
               <a:rPr lang="pt-PT" smtClean="0"/>
-              <a:t>‹nº›</a:t>
+              <a:t>‹#›</a:t>
             </a:fld>
             <a:endParaRPr lang="pt-PT"/>
           </a:p>
@@ -1897,7 +1887,7 @@
           <a:p>
             <a:fld id="{4DE2D2B0-9383-4981-965B-C7800A61723D}" type="datetime1">
               <a:rPr lang="pt-PT" smtClean="0"/>
-              <a:t>21/03/2018</a:t>
+              <a:t>14/06/2018</a:t>
             </a:fld>
             <a:endParaRPr lang="pt-PT"/>
           </a:p>
@@ -1942,7 +1932,7 @@
           <a:p>
             <a:fld id="{0A29BB10-B433-40F1-AAE4-246F5BAEB777}" type="slidenum">
               <a:rPr lang="pt-PT" smtClean="0"/>
-              <a:t>‹nº›</a:t>
+              <a:t>‹#›</a:t>
             </a:fld>
             <a:endParaRPr lang="pt-PT"/>
           </a:p>
@@ -2175,7 +2165,7 @@
           <a:p>
             <a:fld id="{758CD247-4FD5-4CC0-B875-E0991500C6E5}" type="datetime1">
               <a:rPr lang="pt-PT" smtClean="0"/>
-              <a:t>21/03/2018</a:t>
+              <a:t>14/06/2018</a:t>
             </a:fld>
             <a:endParaRPr lang="pt-PT"/>
           </a:p>
@@ -2220,7 +2210,7 @@
           <a:p>
             <a:fld id="{0A29BB10-B433-40F1-AAE4-246F5BAEB777}" type="slidenum">
               <a:rPr lang="pt-PT" smtClean="0"/>
-              <a:t>‹nº›</a:t>
+              <a:t>‹#›</a:t>
             </a:fld>
             <a:endParaRPr lang="pt-PT"/>
           </a:p>
@@ -2557,7 +2547,7 @@
           <a:p>
             <a:fld id="{B54D388B-30F6-4788-B197-C5F8AEED4797}" type="datetime1">
               <a:rPr lang="pt-PT" smtClean="0"/>
-              <a:t>21/03/2018</a:t>
+              <a:t>14/06/2018</a:t>
             </a:fld>
             <a:endParaRPr lang="pt-PT"/>
           </a:p>
@@ -2602,7 +2592,7 @@
           <a:p>
             <a:fld id="{0A29BB10-B433-40F1-AAE4-246F5BAEB777}" type="slidenum">
               <a:rPr lang="pt-PT" smtClean="0"/>
-              <a:t>‹nº›</a:t>
+              <a:t>‹#›</a:t>
             </a:fld>
             <a:endParaRPr lang="pt-PT"/>
           </a:p>
@@ -2678,7 +2668,7 @@
           <a:p>
             <a:fld id="{8EF9DF68-1A13-406C-80A7-6E806D41A666}" type="datetime1">
               <a:rPr lang="pt-PT" smtClean="0"/>
-              <a:t>21/03/2018</a:t>
+              <a:t>14/06/2018</a:t>
             </a:fld>
             <a:endParaRPr lang="pt-PT"/>
           </a:p>
@@ -2723,7 +2713,7 @@
           <a:p>
             <a:fld id="{0A29BB10-B433-40F1-AAE4-246F5BAEB777}" type="slidenum">
               <a:rPr lang="pt-PT" smtClean="0"/>
-              <a:t>‹nº›</a:t>
+              <a:t>‹#›</a:t>
             </a:fld>
             <a:endParaRPr lang="pt-PT"/>
           </a:p>
@@ -2854,7 +2844,7 @@
           <a:p>
             <a:fld id="{E2D6F4A4-B110-45D9-B602-75DB57D6F1EE}" type="datetime1">
               <a:rPr lang="pt-PT" smtClean="0"/>
-              <a:t>21/03/2018</a:t>
+              <a:t>14/06/2018</a:t>
             </a:fld>
             <a:endParaRPr lang="pt-PT"/>
           </a:p>
@@ -2907,7 +2897,7 @@
           <a:p>
             <a:fld id="{0A29BB10-B433-40F1-AAE4-246F5BAEB777}" type="slidenum">
               <a:rPr lang="pt-PT" smtClean="0"/>
-              <a:t>‹nº›</a:t>
+              <a:t>‹#›</a:t>
             </a:fld>
             <a:endParaRPr lang="pt-PT"/>
           </a:p>
@@ -3213,7 +3203,7 @@
           <a:p>
             <a:fld id="{340C6174-F792-4F97-9A92-7412FE5E464B}" type="datetime1">
               <a:rPr lang="pt-PT" smtClean="0"/>
-              <a:t>21/03/2018</a:t>
+              <a:t>14/06/2018</a:t>
             </a:fld>
             <a:endParaRPr lang="pt-PT"/>
           </a:p>
@@ -3279,7 +3269,7 @@
           <a:p>
             <a:fld id="{0A29BB10-B433-40F1-AAE4-246F5BAEB777}" type="slidenum">
               <a:rPr lang="pt-PT" smtClean="0"/>
-              <a:t>‹nº›</a:t>
+              <a:t>‹#›</a:t>
             </a:fld>
             <a:endParaRPr lang="pt-PT"/>
           </a:p>
@@ -3595,7 +3585,7 @@
           <a:p>
             <a:fld id="{09810E49-70BF-4269-90A7-3ACBD939C07D}" type="datetime1">
               <a:rPr lang="pt-PT" smtClean="0"/>
-              <a:t>21/03/2018</a:t>
+              <a:t>14/06/2018</a:t>
             </a:fld>
             <a:endParaRPr lang="pt-PT"/>
           </a:p>
@@ -3640,7 +3630,7 @@
           <a:p>
             <a:fld id="{0A29BB10-B433-40F1-AAE4-246F5BAEB777}" type="slidenum">
               <a:rPr lang="pt-PT" smtClean="0"/>
-              <a:t>‹nº›</a:t>
+              <a:t>‹#›</a:t>
             </a:fld>
             <a:endParaRPr lang="pt-PT"/>
           </a:p>
@@ -3892,7 +3882,7 @@
           <a:p>
             <a:fld id="{CC2FC01C-6812-4798-96F8-303E11328E95}" type="datetime1">
               <a:rPr lang="pt-PT" smtClean="0"/>
-              <a:t>21/03/2018</a:t>
+              <a:t>14/06/2018</a:t>
             </a:fld>
             <a:endParaRPr lang="pt-PT"/>
           </a:p>
@@ -3969,7 +3959,7 @@
           <a:p>
             <a:fld id="{0A29BB10-B433-40F1-AAE4-246F5BAEB777}" type="slidenum">
               <a:rPr lang="pt-PT" smtClean="0"/>
-              <a:t>‹nº›</a:t>
+              <a:t>‹#›</a:t>
             </a:fld>
             <a:endParaRPr lang="pt-PT"/>
           </a:p>
@@ -4425,7 +4415,7 @@
           <p:cNvPr id="5" name="Título 4">
             <a:extLst>
               <a:ext uri="{FF2B5EF4-FFF2-40B4-BE49-F238E27FC236}">
-                <a16:creationId xmlns:a16="http://schemas.microsoft.com/office/drawing/2014/main" id="{E05BE524-FFD9-47F5-B6AE-87B3E333EF6E}"/>
+                <a16:creationId xmlns:a16="http://schemas.microsoft.com/office/drawing/2014/main" xmlns="" id="{E05BE524-FFD9-47F5-B6AE-87B3E333EF6E}"/>
               </a:ext>
             </a:extLst>
           </p:cNvPr>
@@ -4450,9 +4440,18 @@
           <a:p>
             <a:pPr algn="ctr"/>
             <a:r>
-              <a:rPr lang="pt-PT" dirty="0"/>
-              <a:t>Web Project</a:t>
-            </a:r>
+              <a:rPr lang="pt-PT" dirty="0" smtClean="0"/>
+              <a:t>H</a:t>
+            </a:r>
+            <a:r>
+              <a:rPr lang="pt-PT" sz="4400" b="1" dirty="0" smtClean="0"/>
+              <a:t>2</a:t>
+            </a:r>
+            <a:r>
+              <a:rPr lang="pt-PT" dirty="0" smtClean="0"/>
+              <a:t>Oil</a:t>
+            </a:r>
+            <a:endParaRPr lang="pt-PT" dirty="0"/>
           </a:p>
         </p:txBody>
       </p:sp>
@@ -4461,7 +4460,7 @@
           <p:cNvPr id="7" name="Espaço Reservado para Rodapé 6">
             <a:extLst>
               <a:ext uri="{FF2B5EF4-FFF2-40B4-BE49-F238E27FC236}">
-                <a16:creationId xmlns:a16="http://schemas.microsoft.com/office/drawing/2014/main" id="{B1386C65-B746-4426-ADE4-3C82EDA620D0}"/>
+                <a16:creationId xmlns:a16="http://schemas.microsoft.com/office/drawing/2014/main" xmlns="" id="{B1386C65-B746-4426-ADE4-3C82EDA620D0}"/>
               </a:ext>
             </a:extLst>
           </p:cNvPr>
@@ -4489,7 +4488,7 @@
           <p:cNvPr id="8" name="Espaço Reservado para Número de Slide 7">
             <a:extLst>
               <a:ext uri="{FF2B5EF4-FFF2-40B4-BE49-F238E27FC236}">
-                <a16:creationId xmlns:a16="http://schemas.microsoft.com/office/drawing/2014/main" id="{CA92E790-31E2-43C2-85A7-5CA0A9970C0D}"/>
+                <a16:creationId xmlns:a16="http://schemas.microsoft.com/office/drawing/2014/main" xmlns="" id="{CA92E790-31E2-43C2-85A7-5CA0A9970C0D}"/>
               </a:ext>
             </a:extLst>
           </p:cNvPr>
@@ -4516,7 +4515,7 @@
     </p:spTree>
     <p:extLst>
       <p:ext uri="{BB962C8B-B14F-4D97-AF65-F5344CB8AC3E}">
-        <p14:creationId xmlns:p14="http://schemas.microsoft.com/office/powerpoint/2010/main" val="357028211"/>
+        <p14:creationId xmlns:p14="http://schemas.microsoft.com/office/powerpoint/2010/main" val="3089353002"/>
       </p:ext>
     </p:extLst>
   </p:cSld>
@@ -4526,7 +4525,7 @@
 </p:sld>
 </file>
 
-<file path=ppt/slides/slide10.xml><?xml version="1.0" encoding="utf-8"?>
+<file path=ppt/slides/slide2.xml><?xml version="1.0" encoding="utf-8"?>
 <p:sld xmlns:a="http://schemas.openxmlformats.org/drawingml/2006/main" xmlns:r="http://schemas.openxmlformats.org/officeDocument/2006/relationships" xmlns:p="http://schemas.openxmlformats.org/presentationml/2006/main">
   <p:cSld>
     <p:spTree>
@@ -4548,7 +4547,7 @@
           <p:cNvPr id="2" name="Título 1">
             <a:extLst>
               <a:ext uri="{FF2B5EF4-FFF2-40B4-BE49-F238E27FC236}">
-                <a16:creationId xmlns:a16="http://schemas.microsoft.com/office/drawing/2014/main" id="{3608A3C9-77F8-4B82-A9C9-64A7A2D6878C}"/>
+                <a16:creationId xmlns:a16="http://schemas.microsoft.com/office/drawing/2014/main" xmlns="" id="{3608A3C9-77F8-4B82-A9C9-64A7A2D6878C}"/>
               </a:ext>
             </a:extLst>
           </p:cNvPr>
@@ -4567,8 +4566,13 @@
             <a:pPr algn="ctr"/>
             <a:r>
               <a:rPr lang="pt-PT" dirty="0"/>
-              <a:t>What is H2Oil-Project?</a:t>
-            </a:r>
+              <a:t>What is </a:t>
+            </a:r>
+            <a:r>
+              <a:rPr lang="pt-PT" dirty="0" smtClean="0"/>
+              <a:t>H2Oil?</a:t>
+            </a:r>
+            <a:endParaRPr lang="pt-PT" dirty="0"/>
           </a:p>
         </p:txBody>
       </p:sp>
@@ -4577,7 +4581,7 @@
           <p:cNvPr id="3" name="Espaço Reservado para Conteúdo 2">
             <a:extLst>
               <a:ext uri="{FF2B5EF4-FFF2-40B4-BE49-F238E27FC236}">
-                <a16:creationId xmlns:a16="http://schemas.microsoft.com/office/drawing/2014/main" id="{335A1CB0-CF71-4E63-B076-B702B7DB705B}"/>
+                <a16:creationId xmlns:a16="http://schemas.microsoft.com/office/drawing/2014/main" xmlns="" id="{335A1CB0-CF71-4E63-B076-B702B7DB705B}"/>
               </a:ext>
             </a:extLst>
           </p:cNvPr>
@@ -4599,6 +4603,19 @@
             <a:normAutofit/>
           </a:bodyPr>
           <a:lstStyle/>
+          <a:p>
+            <a:pPr marL="0" indent="0">
+              <a:lnSpc>
+                <a:spcPct val="150000"/>
+              </a:lnSpc>
+              <a:buNone/>
+            </a:pPr>
+            <a:r>
+              <a:rPr lang="pt-PT" sz="3600" dirty="0"/>
+              <a:t> </a:t>
+            </a:r>
+            <a:endParaRPr lang="pt-PT" sz="3600" dirty="0" smtClean="0"/>
+          </a:p>
           <a:p>
             <a:pPr>
               <a:lnSpc>
@@ -4608,8 +4625,12 @@
               <a:buChar char="•"/>
             </a:pPr>
             <a:r>
+              <a:rPr lang="pt-PT" sz="3600" dirty="0" smtClean="0"/>
+              <a:t> Online </a:t>
+            </a:r>
+            <a:r>
               <a:rPr lang="pt-PT" sz="3600" dirty="0"/>
-              <a:t> Online Community;</a:t>
+              <a:t>Community;</a:t>
             </a:r>
           </a:p>
           <a:p>
@@ -4622,34 +4643,17 @@
             </a:pPr>
             <a:r>
               <a:rPr lang="pt-PT" sz="3600" dirty="0"/>
-              <a:t> Oil Spills and Black Tides;</a:t>
-            </a:r>
-          </a:p>
-          <a:p>
-            <a:pPr>
-              <a:lnSpc>
-                <a:spcPct val="150000"/>
-              </a:lnSpc>
-              <a:buFont typeface="Arial" panose="020B0604020202020204" pitchFamily="34" charset="0"/>
-              <a:buChar char="•"/>
-            </a:pPr>
+              <a:t> Oil Spills and Black </a:t>
+            </a:r>
+            <a:r>
+              <a:rPr lang="pt-PT" sz="3600" dirty="0" smtClean="0"/>
+              <a:t>Tides</a:t>
+            </a:r>
             <a:r>
               <a:rPr lang="pt-PT" sz="3600" dirty="0"/>
-              <a:t> Share Experiences;</a:t>
-            </a:r>
-          </a:p>
-          <a:p>
-            <a:pPr>
-              <a:lnSpc>
-                <a:spcPct val="150000"/>
-              </a:lnSpc>
-              <a:buFont typeface="Arial" panose="020B0604020202020204" pitchFamily="34" charset="0"/>
-              <a:buChar char="•"/>
-            </a:pPr>
-            <a:r>
-              <a:rPr lang="pt-PT" sz="3600" dirty="0"/>
-              <a:t> Report Suspicious Sightings.</a:t>
-            </a:r>
+              <a:t>;</a:t>
+            </a:r>
+            <a:endParaRPr lang="pt-PT" sz="3600" dirty="0"/>
           </a:p>
         </p:txBody>
       </p:sp>
@@ -4658,7 +4662,7 @@
           <p:cNvPr id="4" name="Espaço Reservado para Rodapé 3">
             <a:extLst>
               <a:ext uri="{FF2B5EF4-FFF2-40B4-BE49-F238E27FC236}">
-                <a16:creationId xmlns:a16="http://schemas.microsoft.com/office/drawing/2014/main" id="{957BA3DB-ADB7-4EB0-BA4D-B919937A0681}"/>
+                <a16:creationId xmlns:a16="http://schemas.microsoft.com/office/drawing/2014/main" xmlns="" id="{957BA3DB-ADB7-4EB0-BA4D-B919937A0681}"/>
               </a:ext>
             </a:extLst>
           </p:cNvPr>
@@ -4686,7 +4690,7 @@
           <p:cNvPr id="5" name="Espaço Reservado para Número de Slide 4">
             <a:extLst>
               <a:ext uri="{FF2B5EF4-FFF2-40B4-BE49-F238E27FC236}">
-                <a16:creationId xmlns:a16="http://schemas.microsoft.com/office/drawing/2014/main" id="{2640E7E9-F8B1-4D9D-A565-A5888E9E81AD}"/>
+                <a16:creationId xmlns:a16="http://schemas.microsoft.com/office/drawing/2014/main" xmlns="" id="{2640E7E9-F8B1-4D9D-A565-A5888E9E81AD}"/>
               </a:ext>
             </a:extLst>
           </p:cNvPr>
@@ -4704,7 +4708,7 @@
           <a:p>
             <a:fld id="{0A29BB10-B433-40F1-AAE4-246F5BAEB777}" type="slidenum">
               <a:rPr lang="pt-PT" smtClean="0"/>
-              <a:t>10</a:t>
+              <a:t>2</a:t>
             </a:fld>
             <a:endParaRPr lang="pt-PT"/>
           </a:p>
@@ -4723,7 +4727,7 @@
 </p:sld>
 </file>
 
-<file path=ppt/slides/slide11.xml><?xml version="1.0" encoding="utf-8"?>
+<file path=ppt/slides/slide3.xml><?xml version="1.0" encoding="utf-8"?>
 <p:sld xmlns:a="http://schemas.openxmlformats.org/drawingml/2006/main" xmlns:r="http://schemas.openxmlformats.org/officeDocument/2006/relationships" xmlns:p="http://schemas.openxmlformats.org/presentationml/2006/main">
   <p:cSld>
     <p:spTree>
@@ -4745,7 +4749,7 @@
           <p:cNvPr id="2" name="Título 1">
             <a:extLst>
               <a:ext uri="{FF2B5EF4-FFF2-40B4-BE49-F238E27FC236}">
-                <a16:creationId xmlns:a16="http://schemas.microsoft.com/office/drawing/2014/main" id="{D2A259BD-60CA-44AA-8698-36F234B7DD00}"/>
+                <a16:creationId xmlns:a16="http://schemas.microsoft.com/office/drawing/2014/main" xmlns="" id="{D2A259BD-60CA-44AA-8698-36F234B7DD00}"/>
               </a:ext>
             </a:extLst>
           </p:cNvPr>
@@ -4774,7 +4778,7 @@
           <p:cNvPr id="3" name="Espaço Reservado para Conteúdo 2">
             <a:extLst>
               <a:ext uri="{FF2B5EF4-FFF2-40B4-BE49-F238E27FC236}">
-                <a16:creationId xmlns:a16="http://schemas.microsoft.com/office/drawing/2014/main" id="{4D6FF756-37FD-4B9D-8115-77EB0D656E82}"/>
+                <a16:creationId xmlns:a16="http://schemas.microsoft.com/office/drawing/2014/main" xmlns="" id="{4D6FF756-37FD-4B9D-8115-77EB0D656E82}"/>
               </a:ext>
             </a:extLst>
           </p:cNvPr>
@@ -4788,7 +4792,7 @@
         <p:spPr/>
         <p:txBody>
           <a:bodyPr>
-            <a:normAutofit fontScale="70000" lnSpcReduction="20000"/>
+            <a:normAutofit/>
           </a:bodyPr>
           <a:lstStyle/>
           <a:p>
@@ -4813,8 +4817,8 @@
               <a:buChar char="•"/>
             </a:pPr>
             <a:r>
-              <a:rPr lang="pt-PT" sz="3600" dirty="0"/>
-              <a:t> Share Media;</a:t>
+              <a:rPr lang="pt-PT" sz="3600" dirty="0" smtClean="0"/>
+              <a:t> News Feed;</a:t>
             </a:r>
           </a:p>
           <a:p>
@@ -4826,48 +4830,10 @@
               <a:buChar char="•"/>
             </a:pPr>
             <a:r>
-              <a:rPr lang="pt-PT" sz="3600" dirty="0"/>
-              <a:t> Companies Tab;</a:t>
-            </a:r>
-          </a:p>
-          <a:p>
-            <a:pPr>
-              <a:lnSpc>
-                <a:spcPct val="150000"/>
-              </a:lnSpc>
-              <a:buFont typeface="Arial" panose="020B0604020202020204" pitchFamily="34" charset="0"/>
-              <a:buChar char="•"/>
-            </a:pPr>
-            <a:r>
-              <a:rPr lang="pt-PT" sz="3600" dirty="0"/>
-              <a:t> News Feed;</a:t>
-            </a:r>
-          </a:p>
-          <a:p>
-            <a:pPr>
-              <a:lnSpc>
-                <a:spcPct val="150000"/>
-              </a:lnSpc>
-              <a:buFont typeface="Arial" panose="020B0604020202020204" pitchFamily="34" charset="0"/>
-              <a:buChar char="•"/>
-            </a:pPr>
-            <a:r>
-              <a:rPr lang="pt-PT" sz="3600" dirty="0"/>
-              <a:t> Interactive Map;</a:t>
-            </a:r>
-          </a:p>
-          <a:p>
-            <a:pPr>
-              <a:lnSpc>
-                <a:spcPct val="150000"/>
-              </a:lnSpc>
-              <a:buFont typeface="Arial" panose="020B0604020202020204" pitchFamily="34" charset="0"/>
-              <a:buChar char="•"/>
-            </a:pPr>
-            <a:r>
-              <a:rPr lang="pt-PT" sz="3600" dirty="0"/>
-              <a:t> Report Possible Spills.</a:t>
-            </a:r>
+              <a:rPr lang="pt-PT" sz="3600" dirty="0" smtClean="0"/>
+              <a:t> Vounteering;</a:t>
+            </a:r>
+            <a:endParaRPr lang="pt-PT" sz="3600" dirty="0" smtClean="0"/>
           </a:p>
         </p:txBody>
       </p:sp>
@@ -4876,7 +4842,7 @@
           <p:cNvPr id="4" name="Espaço Reservado para Rodapé 3">
             <a:extLst>
               <a:ext uri="{FF2B5EF4-FFF2-40B4-BE49-F238E27FC236}">
-                <a16:creationId xmlns:a16="http://schemas.microsoft.com/office/drawing/2014/main" id="{56573074-2138-4A76-A27F-27EF9FE3974A}"/>
+                <a16:creationId xmlns:a16="http://schemas.microsoft.com/office/drawing/2014/main" xmlns="" id="{56573074-2138-4A76-A27F-27EF9FE3974A}"/>
               </a:ext>
             </a:extLst>
           </p:cNvPr>
@@ -4904,7 +4870,7 @@
           <p:cNvPr id="5" name="Espaço Reservado para Número de Slide 4">
             <a:extLst>
               <a:ext uri="{FF2B5EF4-FFF2-40B4-BE49-F238E27FC236}">
-                <a16:creationId xmlns:a16="http://schemas.microsoft.com/office/drawing/2014/main" id="{61666724-7320-4902-BA98-39552A699C77}"/>
+                <a16:creationId xmlns:a16="http://schemas.microsoft.com/office/drawing/2014/main" xmlns="" id="{61666724-7320-4902-BA98-39552A699C77}"/>
               </a:ext>
             </a:extLst>
           </p:cNvPr>
@@ -4922,7 +4888,7 @@
           <a:p>
             <a:fld id="{0A29BB10-B433-40F1-AAE4-246F5BAEB777}" type="slidenum">
               <a:rPr lang="pt-PT" smtClean="0"/>
-              <a:t>11</a:t>
+              <a:t>3</a:t>
             </a:fld>
             <a:endParaRPr lang="pt-PT"/>
           </a:p>
@@ -4933,7 +4899,7 @@
           <p:cNvPr id="15" name="Imagem 14">
             <a:extLst>
               <a:ext uri="{FF2B5EF4-FFF2-40B4-BE49-F238E27FC236}">
-                <a16:creationId xmlns:a16="http://schemas.microsoft.com/office/drawing/2014/main" id="{14C0AF99-581D-4B73-B901-E2AC74937202}"/>
+                <a16:creationId xmlns:a16="http://schemas.microsoft.com/office/drawing/2014/main" xmlns="" id="{14C0AF99-581D-4B73-B901-E2AC74937202}"/>
               </a:ext>
             </a:extLst>
           </p:cNvPr>
@@ -4971,7 +4937,7 @@
 </p:sld>
 </file>
 
-<file path=ppt/slides/slide12.xml><?xml version="1.0" encoding="utf-8"?>
+<file path=ppt/slides/slide4.xml><?xml version="1.0" encoding="utf-8"?>
 <p:sld xmlns:a="http://schemas.openxmlformats.org/drawingml/2006/main" xmlns:r="http://schemas.openxmlformats.org/officeDocument/2006/relationships" xmlns:p="http://schemas.openxmlformats.org/presentationml/2006/main">
   <p:cSld>
     <p:spTree>
@@ -4993,7 +4959,7 @@
           <p:cNvPr id="2" name="Título 1">
             <a:extLst>
               <a:ext uri="{FF2B5EF4-FFF2-40B4-BE49-F238E27FC236}">
-                <a16:creationId xmlns:a16="http://schemas.microsoft.com/office/drawing/2014/main" id="{220E8DA3-68A5-432E-8E28-89E6FBCC4246}"/>
+                <a16:creationId xmlns:a16="http://schemas.microsoft.com/office/drawing/2014/main" xmlns="" id="{D2A259BD-60CA-44AA-8698-36F234B7DD00}"/>
               </a:ext>
             </a:extLst>
           </p:cNvPr>
@@ -5012,52 +4978,45 @@
             <a:pPr algn="ctr"/>
             <a:r>
               <a:rPr lang="pt-PT" dirty="0"/>
-              <a:t>Design of the Website</a:t>
-            </a:r>
-          </a:p>
-        </p:txBody>
-      </p:sp>
-      <p:pic>
-        <p:nvPicPr>
-          <p:cNvPr id="7" name="Espaço Reservado para Conteúdo 6">
+              <a:t>Q&amp;A</a:t>
+            </a:r>
+          </a:p>
+        </p:txBody>
+      </p:sp>
+      <p:sp>
+        <p:nvSpPr>
+          <p:cNvPr id="4" name="Espaço Reservado para Rodapé 3">
             <a:extLst>
               <a:ext uri="{FF2B5EF4-FFF2-40B4-BE49-F238E27FC236}">
-                <a16:creationId xmlns:a16="http://schemas.microsoft.com/office/drawing/2014/main" id="{1F3975D5-CF0F-43A3-9405-E3AADF4A02EF}"/>
+                <a16:creationId xmlns:a16="http://schemas.microsoft.com/office/drawing/2014/main" xmlns="" id="{56573074-2138-4A76-A27F-27EF9FE3974A}"/>
               </a:ext>
             </a:extLst>
           </p:cNvPr>
-          <p:cNvPicPr>
-            <a:picLocks noGrp="1" noChangeAspect="1"/>
-          </p:cNvPicPr>
-          <p:nvPr>
-            <p:ph idx="1"/>
-          </p:nvPr>
-        </p:nvPicPr>
-        <p:blipFill>
-          <a:blip r:embed="rId2">
-            <a:extLst>
-              <a:ext uri="{28A0092B-C50C-407E-A947-70E740481C1C}">
-                <a14:useLocalDpi xmlns:a14="http://schemas.microsoft.com/office/drawing/2010/main" val="0"/>
-              </a:ext>
-            </a:extLst>
-          </a:blip>
-          <a:stretch>
-            <a:fillRect/>
-          </a:stretch>
-        </p:blipFill>
-        <p:spPr>
-          <a:xfrm>
-            <a:off x="2804648" y="2022428"/>
-            <a:ext cx="6643663" cy="4152289"/>
-          </a:xfrm>
-        </p:spPr>
-      </p:pic>
-      <p:sp>
-        <p:nvSpPr>
-          <p:cNvPr id="4" name="Espaço Reservado para Rodapé 3">
+          <p:cNvSpPr>
+            <a:spLocks noGrp="1"/>
+          </p:cNvSpPr>
+          <p:nvPr>
+            <p:ph type="ftr" sz="quarter" idx="11"/>
+          </p:nvPr>
+        </p:nvSpPr>
+        <p:spPr/>
+        <p:txBody>
+          <a:bodyPr/>
+          <a:lstStyle/>
+          <a:p>
+            <a:r>
+              <a:rPr lang="pt-PT"/>
+              <a:t>Francisco Modesto &amp; João Monteiro</a:t>
+            </a:r>
+          </a:p>
+        </p:txBody>
+      </p:sp>
+      <p:sp>
+        <p:nvSpPr>
+          <p:cNvPr id="5" name="Espaço Reservado para Número de Slide 4">
             <a:extLst>
               <a:ext uri="{FF2B5EF4-FFF2-40B4-BE49-F238E27FC236}">
-                <a16:creationId xmlns:a16="http://schemas.microsoft.com/office/drawing/2014/main" id="{0246B99C-ECBD-4A86-8EF9-6D5927FC383A}"/>
+                <a16:creationId xmlns:a16="http://schemas.microsoft.com/office/drawing/2014/main" xmlns="" id="{61666724-7320-4902-BA98-39552A699C77}"/>
               </a:ext>
             </a:extLst>
           </p:cNvPr>
@@ -5065,34 +5024,6 @@
             <a:spLocks noGrp="1"/>
           </p:cNvSpPr>
           <p:nvPr>
-            <p:ph type="ftr" sz="quarter" idx="11"/>
-          </p:nvPr>
-        </p:nvSpPr>
-        <p:spPr/>
-        <p:txBody>
-          <a:bodyPr/>
-          <a:lstStyle/>
-          <a:p>
-            <a:r>
-              <a:rPr lang="pt-PT"/>
-              <a:t>Francisco Modesto &amp; João Monteiro</a:t>
-            </a:r>
-          </a:p>
-        </p:txBody>
-      </p:sp>
-      <p:sp>
-        <p:nvSpPr>
-          <p:cNvPr id="5" name="Espaço Reservado para Número de Slide 4">
-            <a:extLst>
-              <a:ext uri="{FF2B5EF4-FFF2-40B4-BE49-F238E27FC236}">
-                <a16:creationId xmlns:a16="http://schemas.microsoft.com/office/drawing/2014/main" id="{DEF8038A-A6D2-438F-9840-1861784D2F44}"/>
-              </a:ext>
-            </a:extLst>
-          </p:cNvPr>
-          <p:cNvSpPr>
-            <a:spLocks noGrp="1"/>
-          </p:cNvSpPr>
-          <p:nvPr>
             <p:ph type="sldNum" sz="quarter" idx="12"/>
           </p:nvPr>
         </p:nvSpPr>
@@ -5103,274 +5034,7 @@
           <a:p>
             <a:fld id="{0A29BB10-B433-40F1-AAE4-246F5BAEB777}" type="slidenum">
               <a:rPr lang="pt-PT" smtClean="0"/>
-              <a:t>12</a:t>
-            </a:fld>
-            <a:endParaRPr lang="pt-PT"/>
-          </a:p>
-        </p:txBody>
-      </p:sp>
-    </p:spTree>
-    <p:extLst>
-      <p:ext uri="{BB962C8B-B14F-4D97-AF65-F5344CB8AC3E}">
-        <p14:creationId xmlns:p14="http://schemas.microsoft.com/office/powerpoint/2010/main" val="3021498606"/>
-      </p:ext>
-    </p:extLst>
-  </p:cSld>
-  <p:clrMapOvr>
-    <a:masterClrMapping/>
-  </p:clrMapOvr>
-</p:sld>
-</file>
-
-<file path=ppt/slides/slide13.xml><?xml version="1.0" encoding="utf-8"?>
-<p:sld xmlns:a="http://schemas.openxmlformats.org/drawingml/2006/main" xmlns:r="http://schemas.openxmlformats.org/officeDocument/2006/relationships" xmlns:p="http://schemas.openxmlformats.org/presentationml/2006/main">
-  <p:cSld>
-    <p:spTree>
-      <p:nvGrpSpPr>
-        <p:cNvPr id="1" name=""/>
-        <p:cNvGrpSpPr/>
-        <p:nvPr/>
-      </p:nvGrpSpPr>
-      <p:grpSpPr>
-        <a:xfrm>
-          <a:off x="0" y="0"/>
-          <a:ext cx="0" cy="0"/>
-          <a:chOff x="0" y="0"/>
-          <a:chExt cx="0" cy="0"/>
-        </a:xfrm>
-      </p:grpSpPr>
-      <p:sp>
-        <p:nvSpPr>
-          <p:cNvPr id="2" name="Título 1">
-            <a:extLst>
-              <a:ext uri="{FF2B5EF4-FFF2-40B4-BE49-F238E27FC236}">
-                <a16:creationId xmlns:a16="http://schemas.microsoft.com/office/drawing/2014/main" id="{220E8DA3-68A5-432E-8E28-89E6FBCC4246}"/>
-              </a:ext>
-            </a:extLst>
-          </p:cNvPr>
-          <p:cNvSpPr>
-            <a:spLocks noGrp="1"/>
-          </p:cNvSpPr>
-          <p:nvPr>
-            <p:ph type="title"/>
-          </p:nvPr>
-        </p:nvSpPr>
-        <p:spPr/>
-        <p:txBody>
-          <a:bodyPr/>
-          <a:lstStyle/>
-          <a:p>
-            <a:pPr algn="ctr"/>
-            <a:r>
-              <a:rPr lang="pt-PT" dirty="0"/>
-              <a:t>Design of the Website</a:t>
-            </a:r>
-          </a:p>
-        </p:txBody>
-      </p:sp>
-      <p:sp>
-        <p:nvSpPr>
-          <p:cNvPr id="4" name="Espaço Reservado para Rodapé 3">
-            <a:extLst>
-              <a:ext uri="{FF2B5EF4-FFF2-40B4-BE49-F238E27FC236}">
-                <a16:creationId xmlns:a16="http://schemas.microsoft.com/office/drawing/2014/main" id="{0246B99C-ECBD-4A86-8EF9-6D5927FC383A}"/>
-              </a:ext>
-            </a:extLst>
-          </p:cNvPr>
-          <p:cNvSpPr>
-            <a:spLocks noGrp="1"/>
-          </p:cNvSpPr>
-          <p:nvPr>
-            <p:ph type="ftr" sz="quarter" idx="11"/>
-          </p:nvPr>
-        </p:nvSpPr>
-        <p:spPr/>
-        <p:txBody>
-          <a:bodyPr/>
-          <a:lstStyle/>
-          <a:p>
-            <a:r>
-              <a:rPr lang="pt-PT"/>
-              <a:t>Francisco Modesto &amp; João Monteiro</a:t>
-            </a:r>
-          </a:p>
-        </p:txBody>
-      </p:sp>
-      <p:sp>
-        <p:nvSpPr>
-          <p:cNvPr id="5" name="Espaço Reservado para Número de Slide 4">
-            <a:extLst>
-              <a:ext uri="{FF2B5EF4-FFF2-40B4-BE49-F238E27FC236}">
-                <a16:creationId xmlns:a16="http://schemas.microsoft.com/office/drawing/2014/main" id="{DEF8038A-A6D2-438F-9840-1861784D2F44}"/>
-              </a:ext>
-            </a:extLst>
-          </p:cNvPr>
-          <p:cNvSpPr>
-            <a:spLocks noGrp="1"/>
-          </p:cNvSpPr>
-          <p:nvPr>
-            <p:ph type="sldNum" sz="quarter" idx="12"/>
-          </p:nvPr>
-        </p:nvSpPr>
-        <p:spPr/>
-        <p:txBody>
-          <a:bodyPr/>
-          <a:lstStyle/>
-          <a:p>
-            <a:fld id="{0A29BB10-B433-40F1-AAE4-246F5BAEB777}" type="slidenum">
-              <a:rPr lang="pt-PT" smtClean="0"/>
-              <a:t>13</a:t>
-            </a:fld>
-            <a:endParaRPr lang="pt-PT"/>
-          </a:p>
-        </p:txBody>
-      </p:sp>
-      <p:pic>
-        <p:nvPicPr>
-          <p:cNvPr id="9" name="Espaço Reservado para Conteúdo 8">
-            <a:extLst>
-              <a:ext uri="{FF2B5EF4-FFF2-40B4-BE49-F238E27FC236}">
-                <a16:creationId xmlns:a16="http://schemas.microsoft.com/office/drawing/2014/main" id="{1BAD9365-50D3-4693-B705-8ACAAD8C1491}"/>
-              </a:ext>
-            </a:extLst>
-          </p:cNvPr>
-          <p:cNvPicPr>
-            <a:picLocks noGrp="1" noChangeAspect="1"/>
-          </p:cNvPicPr>
-          <p:nvPr>
-            <p:ph idx="1"/>
-          </p:nvPr>
-        </p:nvPicPr>
-        <p:blipFill>
-          <a:blip r:embed="rId2">
-            <a:extLst>
-              <a:ext uri="{28A0092B-C50C-407E-A947-70E740481C1C}">
-                <a14:useLocalDpi xmlns:a14="http://schemas.microsoft.com/office/drawing/2010/main" val="0"/>
-              </a:ext>
-            </a:extLst>
-          </a:blip>
-          <a:stretch>
-            <a:fillRect/>
-          </a:stretch>
-        </p:blipFill>
-        <p:spPr>
-          <a:xfrm>
-            <a:off x="2707933" y="1961981"/>
-            <a:ext cx="6837093" cy="4273183"/>
-          </a:xfrm>
-        </p:spPr>
-      </p:pic>
-    </p:spTree>
-    <p:extLst>
-      <p:ext uri="{BB962C8B-B14F-4D97-AF65-F5344CB8AC3E}">
-        <p14:creationId xmlns:p14="http://schemas.microsoft.com/office/powerpoint/2010/main" val="285096488"/>
-      </p:ext>
-    </p:extLst>
-  </p:cSld>
-  <p:clrMapOvr>
-    <a:masterClrMapping/>
-  </p:clrMapOvr>
-</p:sld>
-</file>
-
-<file path=ppt/slides/slide14.xml><?xml version="1.0" encoding="utf-8"?>
-<p:sld xmlns:a="http://schemas.openxmlformats.org/drawingml/2006/main" xmlns:r="http://schemas.openxmlformats.org/officeDocument/2006/relationships" xmlns:p="http://schemas.openxmlformats.org/presentationml/2006/main">
-  <p:cSld>
-    <p:spTree>
-      <p:nvGrpSpPr>
-        <p:cNvPr id="1" name=""/>
-        <p:cNvGrpSpPr/>
-        <p:nvPr/>
-      </p:nvGrpSpPr>
-      <p:grpSpPr>
-        <a:xfrm>
-          <a:off x="0" y="0"/>
-          <a:ext cx="0" cy="0"/>
-          <a:chOff x="0" y="0"/>
-          <a:chExt cx="0" cy="0"/>
-        </a:xfrm>
-      </p:grpSpPr>
-      <p:sp>
-        <p:nvSpPr>
-          <p:cNvPr id="2" name="Título 1">
-            <a:extLst>
-              <a:ext uri="{FF2B5EF4-FFF2-40B4-BE49-F238E27FC236}">
-                <a16:creationId xmlns:a16="http://schemas.microsoft.com/office/drawing/2014/main" id="{D2A259BD-60CA-44AA-8698-36F234B7DD00}"/>
-              </a:ext>
-            </a:extLst>
-          </p:cNvPr>
-          <p:cNvSpPr>
-            <a:spLocks noGrp="1"/>
-          </p:cNvSpPr>
-          <p:nvPr>
-            <p:ph type="title"/>
-          </p:nvPr>
-        </p:nvSpPr>
-        <p:spPr/>
-        <p:txBody>
-          <a:bodyPr/>
-          <a:lstStyle/>
-          <a:p>
-            <a:pPr algn="ctr"/>
-            <a:r>
-              <a:rPr lang="pt-PT" dirty="0"/>
-              <a:t>Q&amp;A</a:t>
-            </a:r>
-          </a:p>
-        </p:txBody>
-      </p:sp>
-      <p:sp>
-        <p:nvSpPr>
-          <p:cNvPr id="4" name="Espaço Reservado para Rodapé 3">
-            <a:extLst>
-              <a:ext uri="{FF2B5EF4-FFF2-40B4-BE49-F238E27FC236}">
-                <a16:creationId xmlns:a16="http://schemas.microsoft.com/office/drawing/2014/main" id="{56573074-2138-4A76-A27F-27EF9FE3974A}"/>
-              </a:ext>
-            </a:extLst>
-          </p:cNvPr>
-          <p:cNvSpPr>
-            <a:spLocks noGrp="1"/>
-          </p:cNvSpPr>
-          <p:nvPr>
-            <p:ph type="ftr" sz="quarter" idx="11"/>
-          </p:nvPr>
-        </p:nvSpPr>
-        <p:spPr/>
-        <p:txBody>
-          <a:bodyPr/>
-          <a:lstStyle/>
-          <a:p>
-            <a:r>
-              <a:rPr lang="pt-PT"/>
-              <a:t>Francisco Modesto &amp; João Monteiro</a:t>
-            </a:r>
-          </a:p>
-        </p:txBody>
-      </p:sp>
-      <p:sp>
-        <p:nvSpPr>
-          <p:cNvPr id="5" name="Espaço Reservado para Número de Slide 4">
-            <a:extLst>
-              <a:ext uri="{FF2B5EF4-FFF2-40B4-BE49-F238E27FC236}">
-                <a16:creationId xmlns:a16="http://schemas.microsoft.com/office/drawing/2014/main" id="{61666724-7320-4902-BA98-39552A699C77}"/>
-              </a:ext>
-            </a:extLst>
-          </p:cNvPr>
-          <p:cNvSpPr>
-            <a:spLocks noGrp="1"/>
-          </p:cNvSpPr>
-          <p:nvPr>
-            <p:ph type="sldNum" sz="quarter" idx="12"/>
-          </p:nvPr>
-        </p:nvSpPr>
-        <p:spPr/>
-        <p:txBody>
-          <a:bodyPr/>
-          <a:lstStyle/>
-          <a:p>
-            <a:fld id="{0A29BB10-B433-40F1-AAE4-246F5BAEB777}" type="slidenum">
-              <a:rPr lang="pt-PT" smtClean="0"/>
-              <a:t>14</a:t>
+              <a:t>4</a:t>
             </a:fld>
             <a:endParaRPr lang="pt-PT"/>
           </a:p>
@@ -5381,7 +5045,7 @@
           <p:cNvPr id="3" name="Imagem 2">
             <a:extLst>
               <a:ext uri="{FF2B5EF4-FFF2-40B4-BE49-F238E27FC236}">
-                <a16:creationId xmlns:a16="http://schemas.microsoft.com/office/drawing/2014/main" id="{95CEEB0F-858B-4907-9869-AC7EA81F02D4}"/>
+                <a16:creationId xmlns:a16="http://schemas.microsoft.com/office/drawing/2014/main" xmlns="" id="{95CEEB0F-858B-4907-9869-AC7EA81F02D4}"/>
               </a:ext>
             </a:extLst>
           </p:cNvPr>
@@ -5421,1370 +5085,6 @@
     <p:extLst>
       <p:ext uri="{BB962C8B-B14F-4D97-AF65-F5344CB8AC3E}">
         <p14:creationId xmlns:p14="http://schemas.microsoft.com/office/powerpoint/2010/main" val="1045853476"/>
-      </p:ext>
-    </p:extLst>
-  </p:cSld>
-  <p:clrMapOvr>
-    <a:masterClrMapping/>
-  </p:clrMapOvr>
-</p:sld>
-</file>
-
-<file path=ppt/slides/slide2.xml><?xml version="1.0" encoding="utf-8"?>
-<p:sld xmlns:a="http://schemas.openxmlformats.org/drawingml/2006/main" xmlns:r="http://schemas.openxmlformats.org/officeDocument/2006/relationships" xmlns:p="http://schemas.openxmlformats.org/presentationml/2006/main">
-  <p:cSld>
-    <p:spTree>
-      <p:nvGrpSpPr>
-        <p:cNvPr id="1" name=""/>
-        <p:cNvGrpSpPr/>
-        <p:nvPr/>
-      </p:nvGrpSpPr>
-      <p:grpSpPr>
-        <a:xfrm>
-          <a:off x="0" y="0"/>
-          <a:ext cx="0" cy="0"/>
-          <a:chOff x="0" y="0"/>
-          <a:chExt cx="0" cy="0"/>
-        </a:xfrm>
-      </p:grpSpPr>
-      <p:sp>
-        <p:nvSpPr>
-          <p:cNvPr id="2" name="Título 1">
-            <a:extLst>
-              <a:ext uri="{FF2B5EF4-FFF2-40B4-BE49-F238E27FC236}">
-                <a16:creationId xmlns:a16="http://schemas.microsoft.com/office/drawing/2014/main" id="{0CB91956-06AD-4DA1-91F9-45EFC1A92DD4}"/>
-              </a:ext>
-            </a:extLst>
-          </p:cNvPr>
-          <p:cNvSpPr>
-            <a:spLocks noGrp="1"/>
-          </p:cNvSpPr>
-          <p:nvPr>
-            <p:ph type="title"/>
-          </p:nvPr>
-        </p:nvSpPr>
-        <p:spPr/>
-        <p:txBody>
-          <a:bodyPr/>
-          <a:lstStyle/>
-          <a:p>
-            <a:pPr algn="ctr"/>
-            <a:r>
-              <a:rPr lang="pt-PT" dirty="0"/>
-              <a:t>Oil Spills</a:t>
-            </a:r>
-          </a:p>
-        </p:txBody>
-      </p:sp>
-      <p:pic>
-        <p:nvPicPr>
-          <p:cNvPr id="6" name="Espaço Reservado para Conteúdo 5">
-            <a:extLst>
-              <a:ext uri="{FF2B5EF4-FFF2-40B4-BE49-F238E27FC236}">
-                <a16:creationId xmlns:a16="http://schemas.microsoft.com/office/drawing/2014/main" id="{3E62F835-EA9A-48FE-ADF8-A62FE535F720}"/>
-              </a:ext>
-            </a:extLst>
-          </p:cNvPr>
-          <p:cNvPicPr>
-            <a:picLocks noGrp="1" noChangeAspect="1"/>
-          </p:cNvPicPr>
-          <p:nvPr>
-            <p:ph idx="1"/>
-          </p:nvPr>
-        </p:nvPicPr>
-        <p:blipFill>
-          <a:blip r:embed="rId2"/>
-          <a:stretch>
-            <a:fillRect/>
-          </a:stretch>
-        </p:blipFill>
-        <p:spPr>
-          <a:xfrm>
-            <a:off x="3625850" y="2152650"/>
-            <a:ext cx="5000625" cy="3409950"/>
-          </a:xfrm>
-          <a:prstGeom prst="rect">
-            <a:avLst/>
-          </a:prstGeom>
-        </p:spPr>
-      </p:pic>
-      <p:sp>
-        <p:nvSpPr>
-          <p:cNvPr id="4" name="Espaço Reservado para Rodapé 3">
-            <a:extLst>
-              <a:ext uri="{FF2B5EF4-FFF2-40B4-BE49-F238E27FC236}">
-                <a16:creationId xmlns:a16="http://schemas.microsoft.com/office/drawing/2014/main" id="{8AF6406A-1BCE-4085-9734-C6B30111577C}"/>
-              </a:ext>
-            </a:extLst>
-          </p:cNvPr>
-          <p:cNvSpPr>
-            <a:spLocks noGrp="1"/>
-          </p:cNvSpPr>
-          <p:nvPr>
-            <p:ph type="ftr" sz="quarter" idx="11"/>
-          </p:nvPr>
-        </p:nvSpPr>
-        <p:spPr/>
-        <p:txBody>
-          <a:bodyPr/>
-          <a:lstStyle/>
-          <a:p>
-            <a:r>
-              <a:rPr lang="pt-PT"/>
-              <a:t>Francisco Modesto &amp; João Monteiro</a:t>
-            </a:r>
-          </a:p>
-        </p:txBody>
-      </p:sp>
-      <p:sp>
-        <p:nvSpPr>
-          <p:cNvPr id="5" name="Espaço Reservado para Número de Slide 4">
-            <a:extLst>
-              <a:ext uri="{FF2B5EF4-FFF2-40B4-BE49-F238E27FC236}">
-                <a16:creationId xmlns:a16="http://schemas.microsoft.com/office/drawing/2014/main" id="{0C7081CE-E5AB-4BD1-93E5-DA9383A6F12C}"/>
-              </a:ext>
-            </a:extLst>
-          </p:cNvPr>
-          <p:cNvSpPr>
-            <a:spLocks noGrp="1"/>
-          </p:cNvSpPr>
-          <p:nvPr>
-            <p:ph type="sldNum" sz="quarter" idx="12"/>
-          </p:nvPr>
-        </p:nvSpPr>
-        <p:spPr/>
-        <p:txBody>
-          <a:bodyPr/>
-          <a:lstStyle/>
-          <a:p>
-            <a:fld id="{0A29BB10-B433-40F1-AAE4-246F5BAEB777}" type="slidenum">
-              <a:rPr lang="pt-PT" smtClean="0"/>
-              <a:t>2</a:t>
-            </a:fld>
-            <a:endParaRPr lang="pt-PT"/>
-          </a:p>
-        </p:txBody>
-      </p:sp>
-    </p:spTree>
-    <p:extLst>
-      <p:ext uri="{BB962C8B-B14F-4D97-AF65-F5344CB8AC3E}">
-        <p14:creationId xmlns:p14="http://schemas.microsoft.com/office/powerpoint/2010/main" val="1513241650"/>
-      </p:ext>
-    </p:extLst>
-  </p:cSld>
-  <p:clrMapOvr>
-    <a:masterClrMapping/>
-  </p:clrMapOvr>
-</p:sld>
-</file>
-
-<file path=ppt/slides/slide3.xml><?xml version="1.0" encoding="utf-8"?>
-<p:sld xmlns:a="http://schemas.openxmlformats.org/drawingml/2006/main" xmlns:r="http://schemas.openxmlformats.org/officeDocument/2006/relationships" xmlns:p="http://schemas.openxmlformats.org/presentationml/2006/main">
-  <p:cSld>
-    <p:spTree>
-      <p:nvGrpSpPr>
-        <p:cNvPr id="1" name=""/>
-        <p:cNvGrpSpPr/>
-        <p:nvPr/>
-      </p:nvGrpSpPr>
-      <p:grpSpPr>
-        <a:xfrm>
-          <a:off x="0" y="0"/>
-          <a:ext cx="0" cy="0"/>
-          <a:chOff x="0" y="0"/>
-          <a:chExt cx="0" cy="0"/>
-        </a:xfrm>
-      </p:grpSpPr>
-      <p:sp>
-        <p:nvSpPr>
-          <p:cNvPr id="2" name="Título 1">
-            <a:extLst>
-              <a:ext uri="{FF2B5EF4-FFF2-40B4-BE49-F238E27FC236}">
-                <a16:creationId xmlns:a16="http://schemas.microsoft.com/office/drawing/2014/main" id="{0CB91956-06AD-4DA1-91F9-45EFC1A92DD4}"/>
-              </a:ext>
-            </a:extLst>
-          </p:cNvPr>
-          <p:cNvSpPr>
-            <a:spLocks noGrp="1"/>
-          </p:cNvSpPr>
-          <p:nvPr>
-            <p:ph type="title"/>
-          </p:nvPr>
-        </p:nvSpPr>
-        <p:spPr/>
-        <p:txBody>
-          <a:bodyPr/>
-          <a:lstStyle/>
-          <a:p>
-            <a:pPr algn="ctr"/>
-            <a:r>
-              <a:rPr lang="pt-PT" dirty="0"/>
-              <a:t>What are Oil Spills?</a:t>
-            </a:r>
-          </a:p>
-        </p:txBody>
-      </p:sp>
-      <p:sp>
-        <p:nvSpPr>
-          <p:cNvPr id="4" name="Espaço Reservado para Rodapé 3">
-            <a:extLst>
-              <a:ext uri="{FF2B5EF4-FFF2-40B4-BE49-F238E27FC236}">
-                <a16:creationId xmlns:a16="http://schemas.microsoft.com/office/drawing/2014/main" id="{8AF6406A-1BCE-4085-9734-C6B30111577C}"/>
-              </a:ext>
-            </a:extLst>
-          </p:cNvPr>
-          <p:cNvSpPr>
-            <a:spLocks noGrp="1"/>
-          </p:cNvSpPr>
-          <p:nvPr>
-            <p:ph type="ftr" sz="quarter" idx="11"/>
-          </p:nvPr>
-        </p:nvSpPr>
-        <p:spPr/>
-        <p:txBody>
-          <a:bodyPr/>
-          <a:lstStyle/>
-          <a:p>
-            <a:r>
-              <a:rPr lang="pt-PT"/>
-              <a:t>Francisco Modesto &amp; João Monteiro</a:t>
-            </a:r>
-          </a:p>
-        </p:txBody>
-      </p:sp>
-      <p:sp>
-        <p:nvSpPr>
-          <p:cNvPr id="5" name="Espaço Reservado para Número de Slide 4">
-            <a:extLst>
-              <a:ext uri="{FF2B5EF4-FFF2-40B4-BE49-F238E27FC236}">
-                <a16:creationId xmlns:a16="http://schemas.microsoft.com/office/drawing/2014/main" id="{0C7081CE-E5AB-4BD1-93E5-DA9383A6F12C}"/>
-              </a:ext>
-            </a:extLst>
-          </p:cNvPr>
-          <p:cNvSpPr>
-            <a:spLocks noGrp="1"/>
-          </p:cNvSpPr>
-          <p:nvPr>
-            <p:ph type="sldNum" sz="quarter" idx="12"/>
-          </p:nvPr>
-        </p:nvSpPr>
-        <p:spPr/>
-        <p:txBody>
-          <a:bodyPr/>
-          <a:lstStyle/>
-          <a:p>
-            <a:fld id="{0A29BB10-B433-40F1-AAE4-246F5BAEB777}" type="slidenum">
-              <a:rPr lang="pt-PT" smtClean="0"/>
-              <a:t>3</a:t>
-            </a:fld>
-            <a:endParaRPr lang="pt-PT"/>
-          </a:p>
-        </p:txBody>
-      </p:sp>
-      <p:pic>
-        <p:nvPicPr>
-          <p:cNvPr id="10" name="Imagem 9">
-            <a:extLst>
-              <a:ext uri="{FF2B5EF4-FFF2-40B4-BE49-F238E27FC236}">
-                <a16:creationId xmlns:a16="http://schemas.microsoft.com/office/drawing/2014/main" id="{536E67EE-7C79-461B-8833-8CE40EE97880}"/>
-              </a:ext>
-            </a:extLst>
-          </p:cNvPr>
-          <p:cNvPicPr>
-            <a:picLocks noChangeAspect="1"/>
-          </p:cNvPicPr>
-          <p:nvPr/>
-        </p:nvPicPr>
-        <p:blipFill>
-          <a:blip r:embed="rId2"/>
-          <a:stretch>
-            <a:fillRect/>
-          </a:stretch>
-        </p:blipFill>
-        <p:spPr>
-          <a:xfrm>
-            <a:off x="8208817" y="2406931"/>
-            <a:ext cx="3383282" cy="3383282"/>
-          </a:xfrm>
-          <a:prstGeom prst="rect">
-            <a:avLst/>
-          </a:prstGeom>
-        </p:spPr>
-      </p:pic>
-      <p:sp>
-        <p:nvSpPr>
-          <p:cNvPr id="15" name="Espaço Reservado para Conteúdo 2">
-            <a:extLst>
-              <a:ext uri="{FF2B5EF4-FFF2-40B4-BE49-F238E27FC236}">
-                <a16:creationId xmlns:a16="http://schemas.microsoft.com/office/drawing/2014/main" id="{5C5D24D2-FCE2-4BA4-9ED0-2096D1CB98C0}"/>
-              </a:ext>
-            </a:extLst>
-          </p:cNvPr>
-          <p:cNvSpPr>
-            <a:spLocks noGrp="1"/>
-          </p:cNvSpPr>
-          <p:nvPr>
-            <p:ph idx="1"/>
-          </p:nvPr>
-        </p:nvSpPr>
-        <p:spPr>
-          <a:xfrm>
-            <a:off x="1097280" y="1979223"/>
-            <a:ext cx="10058400" cy="4023360"/>
-          </a:xfrm>
-        </p:spPr>
-        <p:txBody>
-          <a:bodyPr>
-            <a:normAutofit/>
-          </a:bodyPr>
-          <a:lstStyle/>
-          <a:p>
-            <a:pPr>
-              <a:lnSpc>
-                <a:spcPct val="200000"/>
-              </a:lnSpc>
-              <a:buFont typeface="Arial" panose="020B0604020202020204" pitchFamily="34" charset="0"/>
-              <a:buChar char="•"/>
-            </a:pPr>
-            <a:r>
-              <a:rPr lang="pt-PT" sz="3600" dirty="0"/>
-              <a:t> Spill;</a:t>
-            </a:r>
-          </a:p>
-          <a:p>
-            <a:pPr>
-              <a:lnSpc>
-                <a:spcPct val="200000"/>
-              </a:lnSpc>
-              <a:buFont typeface="Arial" panose="020B0604020202020204" pitchFamily="34" charset="0"/>
-              <a:buChar char="•"/>
-            </a:pPr>
-            <a:r>
-              <a:rPr lang="pt-PT" sz="3600" dirty="0"/>
-              <a:t> Can be terrestrial or aquatic;</a:t>
-            </a:r>
-          </a:p>
-          <a:p>
-            <a:pPr>
-              <a:lnSpc>
-                <a:spcPct val="200000"/>
-              </a:lnSpc>
-              <a:buFont typeface="Arial" panose="020B0604020202020204" pitchFamily="34" charset="0"/>
-              <a:buChar char="•"/>
-            </a:pPr>
-            <a:r>
-              <a:rPr lang="pt-PT" sz="3600" dirty="0"/>
-              <a:t> Can be Natural or Anthropogenic; </a:t>
-            </a:r>
-          </a:p>
-        </p:txBody>
-      </p:sp>
-    </p:spTree>
-    <p:extLst>
-      <p:ext uri="{BB962C8B-B14F-4D97-AF65-F5344CB8AC3E}">
-        <p14:creationId xmlns:p14="http://schemas.microsoft.com/office/powerpoint/2010/main" val="2210565012"/>
-      </p:ext>
-    </p:extLst>
-  </p:cSld>
-  <p:clrMapOvr>
-    <a:masterClrMapping/>
-  </p:clrMapOvr>
-</p:sld>
-</file>
-
-<file path=ppt/slides/slide4.xml><?xml version="1.0" encoding="utf-8"?>
-<p:sld xmlns:a="http://schemas.openxmlformats.org/drawingml/2006/main" xmlns:r="http://schemas.openxmlformats.org/officeDocument/2006/relationships" xmlns:p="http://schemas.openxmlformats.org/presentationml/2006/main">
-  <p:cSld>
-    <p:spTree>
-      <p:nvGrpSpPr>
-        <p:cNvPr id="1" name=""/>
-        <p:cNvGrpSpPr/>
-        <p:nvPr/>
-      </p:nvGrpSpPr>
-      <p:grpSpPr>
-        <a:xfrm>
-          <a:off x="0" y="0"/>
-          <a:ext cx="0" cy="0"/>
-          <a:chOff x="0" y="0"/>
-          <a:chExt cx="0" cy="0"/>
-        </a:xfrm>
-      </p:grpSpPr>
-      <p:sp>
-        <p:nvSpPr>
-          <p:cNvPr id="2" name="Título 1">
-            <a:extLst>
-              <a:ext uri="{FF2B5EF4-FFF2-40B4-BE49-F238E27FC236}">
-                <a16:creationId xmlns:a16="http://schemas.microsoft.com/office/drawing/2014/main" id="{6B2B9D30-8552-4217-ADFE-B790D1815220}"/>
-              </a:ext>
-            </a:extLst>
-          </p:cNvPr>
-          <p:cNvSpPr>
-            <a:spLocks noGrp="1"/>
-          </p:cNvSpPr>
-          <p:nvPr>
-            <p:ph type="title"/>
-          </p:nvPr>
-        </p:nvSpPr>
-        <p:spPr/>
-        <p:txBody>
-          <a:bodyPr/>
-          <a:lstStyle/>
-          <a:p>
-            <a:pPr algn="ctr"/>
-            <a:r>
-              <a:rPr lang="pt-PT" dirty="0"/>
-              <a:t>How frequent are they?</a:t>
-            </a:r>
-          </a:p>
-        </p:txBody>
-      </p:sp>
-      <p:sp>
-        <p:nvSpPr>
-          <p:cNvPr id="4" name="Espaço Reservado para Rodapé 3">
-            <a:extLst>
-              <a:ext uri="{FF2B5EF4-FFF2-40B4-BE49-F238E27FC236}">
-                <a16:creationId xmlns:a16="http://schemas.microsoft.com/office/drawing/2014/main" id="{B8D2D6A7-935C-4B2C-8F42-993158815B23}"/>
-              </a:ext>
-            </a:extLst>
-          </p:cNvPr>
-          <p:cNvSpPr>
-            <a:spLocks noGrp="1"/>
-          </p:cNvSpPr>
-          <p:nvPr>
-            <p:ph type="ftr" sz="quarter" idx="11"/>
-          </p:nvPr>
-        </p:nvSpPr>
-        <p:spPr/>
-        <p:txBody>
-          <a:bodyPr/>
-          <a:lstStyle/>
-          <a:p>
-            <a:r>
-              <a:rPr lang="pt-PT"/>
-              <a:t>Francisco Modesto &amp; João Monteiro</a:t>
-            </a:r>
-          </a:p>
-        </p:txBody>
-      </p:sp>
-      <p:sp>
-        <p:nvSpPr>
-          <p:cNvPr id="5" name="Espaço Reservado para Número de Slide 4">
-            <a:extLst>
-              <a:ext uri="{FF2B5EF4-FFF2-40B4-BE49-F238E27FC236}">
-                <a16:creationId xmlns:a16="http://schemas.microsoft.com/office/drawing/2014/main" id="{A3AAA391-3453-4F7B-A595-724131A166DD}"/>
-              </a:ext>
-            </a:extLst>
-          </p:cNvPr>
-          <p:cNvSpPr>
-            <a:spLocks noGrp="1"/>
-          </p:cNvSpPr>
-          <p:nvPr>
-            <p:ph type="sldNum" sz="quarter" idx="12"/>
-          </p:nvPr>
-        </p:nvSpPr>
-        <p:spPr/>
-        <p:txBody>
-          <a:bodyPr/>
-          <a:lstStyle/>
-          <a:p>
-            <a:fld id="{0A29BB10-B433-40F1-AAE4-246F5BAEB777}" type="slidenum">
-              <a:rPr lang="pt-PT" smtClean="0"/>
-              <a:t>4</a:t>
-            </a:fld>
-            <a:endParaRPr lang="pt-PT"/>
-          </a:p>
-        </p:txBody>
-      </p:sp>
-      <p:pic>
-        <p:nvPicPr>
-          <p:cNvPr id="6" name="Imagem 5">
-            <a:extLst>
-              <a:ext uri="{FF2B5EF4-FFF2-40B4-BE49-F238E27FC236}">
-                <a16:creationId xmlns:a16="http://schemas.microsoft.com/office/drawing/2014/main" id="{DBCC8FF0-0338-4F84-9A45-55D2E5543ABE}"/>
-              </a:ext>
-            </a:extLst>
-          </p:cNvPr>
-          <p:cNvPicPr>
-            <a:picLocks noChangeAspect="1"/>
-          </p:cNvPicPr>
-          <p:nvPr/>
-        </p:nvPicPr>
-        <p:blipFill>
-          <a:blip r:embed="rId2"/>
-          <a:stretch>
-            <a:fillRect/>
-          </a:stretch>
-        </p:blipFill>
-        <p:spPr>
-          <a:xfrm>
-            <a:off x="2821891" y="2019996"/>
-            <a:ext cx="6548217" cy="4157152"/>
-          </a:xfrm>
-          <a:prstGeom prst="rect">
-            <a:avLst/>
-          </a:prstGeom>
-        </p:spPr>
-      </p:pic>
-      <p:sp>
-        <p:nvSpPr>
-          <p:cNvPr id="7" name="CaixaDeTexto 6">
-            <a:extLst>
-              <a:ext uri="{FF2B5EF4-FFF2-40B4-BE49-F238E27FC236}">
-                <a16:creationId xmlns:a16="http://schemas.microsoft.com/office/drawing/2014/main" id="{20B5381F-347C-4EC4-A521-302D41155657}"/>
-              </a:ext>
-            </a:extLst>
-          </p:cNvPr>
-          <p:cNvSpPr txBox="1"/>
-          <p:nvPr/>
-        </p:nvSpPr>
-        <p:spPr>
-          <a:xfrm>
-            <a:off x="9370108" y="5977093"/>
-            <a:ext cx="3234544" cy="200055"/>
-          </a:xfrm>
-          <a:prstGeom prst="rect">
-            <a:avLst/>
-          </a:prstGeom>
-          <a:noFill/>
-        </p:spPr>
-        <p:txBody>
-          <a:bodyPr wrap="square" rtlCol="0">
-            <a:spAutoFit/>
-          </a:bodyPr>
-          <a:lstStyle/>
-          <a:p>
-            <a:r>
-              <a:rPr lang="pt-PT" sz="700" dirty="0"/>
-              <a:t>http://www.itopf.com/knowledge-resources/data-statistics/statistics/</a:t>
-            </a:r>
-          </a:p>
-        </p:txBody>
-      </p:sp>
-    </p:spTree>
-    <p:extLst>
-      <p:ext uri="{BB962C8B-B14F-4D97-AF65-F5344CB8AC3E}">
-        <p14:creationId xmlns:p14="http://schemas.microsoft.com/office/powerpoint/2010/main" val="1856212971"/>
-      </p:ext>
-    </p:extLst>
-  </p:cSld>
-  <p:clrMapOvr>
-    <a:masterClrMapping/>
-  </p:clrMapOvr>
-</p:sld>
-</file>
-
-<file path=ppt/slides/slide5.xml><?xml version="1.0" encoding="utf-8"?>
-<p:sld xmlns:a="http://schemas.openxmlformats.org/drawingml/2006/main" xmlns:r="http://schemas.openxmlformats.org/officeDocument/2006/relationships" xmlns:p="http://schemas.openxmlformats.org/presentationml/2006/main">
-  <p:cSld>
-    <p:spTree>
-      <p:nvGrpSpPr>
-        <p:cNvPr id="1" name=""/>
-        <p:cNvGrpSpPr/>
-        <p:nvPr/>
-      </p:nvGrpSpPr>
-      <p:grpSpPr>
-        <a:xfrm>
-          <a:off x="0" y="0"/>
-          <a:ext cx="0" cy="0"/>
-          <a:chOff x="0" y="0"/>
-          <a:chExt cx="0" cy="0"/>
-        </a:xfrm>
-      </p:grpSpPr>
-      <p:sp>
-        <p:nvSpPr>
-          <p:cNvPr id="2" name="Título 1">
-            <a:extLst>
-              <a:ext uri="{FF2B5EF4-FFF2-40B4-BE49-F238E27FC236}">
-                <a16:creationId xmlns:a16="http://schemas.microsoft.com/office/drawing/2014/main" id="{0CB91956-06AD-4DA1-91F9-45EFC1A92DD4}"/>
-              </a:ext>
-            </a:extLst>
-          </p:cNvPr>
-          <p:cNvSpPr>
-            <a:spLocks noGrp="1"/>
-          </p:cNvSpPr>
-          <p:nvPr>
-            <p:ph type="title"/>
-          </p:nvPr>
-        </p:nvSpPr>
-        <p:spPr/>
-        <p:txBody>
-          <a:bodyPr/>
-          <a:lstStyle/>
-          <a:p>
-            <a:pPr algn="ctr"/>
-            <a:r>
-              <a:rPr lang="pt-PT" dirty="0"/>
-              <a:t>The Danger of Oil Spills</a:t>
-            </a:r>
-          </a:p>
-        </p:txBody>
-      </p:sp>
-      <p:sp>
-        <p:nvSpPr>
-          <p:cNvPr id="4" name="Espaço Reservado para Rodapé 3">
-            <a:extLst>
-              <a:ext uri="{FF2B5EF4-FFF2-40B4-BE49-F238E27FC236}">
-                <a16:creationId xmlns:a16="http://schemas.microsoft.com/office/drawing/2014/main" id="{8AF6406A-1BCE-4085-9734-C6B30111577C}"/>
-              </a:ext>
-            </a:extLst>
-          </p:cNvPr>
-          <p:cNvSpPr>
-            <a:spLocks noGrp="1"/>
-          </p:cNvSpPr>
-          <p:nvPr>
-            <p:ph type="ftr" sz="quarter" idx="11"/>
-          </p:nvPr>
-        </p:nvSpPr>
-        <p:spPr/>
-        <p:txBody>
-          <a:bodyPr/>
-          <a:lstStyle/>
-          <a:p>
-            <a:r>
-              <a:rPr lang="pt-PT"/>
-              <a:t>Francisco Modesto &amp; João Monteiro</a:t>
-            </a:r>
-          </a:p>
-        </p:txBody>
-      </p:sp>
-      <p:sp>
-        <p:nvSpPr>
-          <p:cNvPr id="5" name="Espaço Reservado para Número de Slide 4">
-            <a:extLst>
-              <a:ext uri="{FF2B5EF4-FFF2-40B4-BE49-F238E27FC236}">
-                <a16:creationId xmlns:a16="http://schemas.microsoft.com/office/drawing/2014/main" id="{0C7081CE-E5AB-4BD1-93E5-DA9383A6F12C}"/>
-              </a:ext>
-            </a:extLst>
-          </p:cNvPr>
-          <p:cNvSpPr>
-            <a:spLocks noGrp="1"/>
-          </p:cNvSpPr>
-          <p:nvPr>
-            <p:ph type="sldNum" sz="quarter" idx="12"/>
-          </p:nvPr>
-        </p:nvSpPr>
-        <p:spPr/>
-        <p:txBody>
-          <a:bodyPr/>
-          <a:lstStyle/>
-          <a:p>
-            <a:fld id="{0A29BB10-B433-40F1-AAE4-246F5BAEB777}" type="slidenum">
-              <a:rPr lang="pt-PT" smtClean="0"/>
-              <a:t>5</a:t>
-            </a:fld>
-            <a:endParaRPr lang="pt-PT"/>
-          </a:p>
-        </p:txBody>
-      </p:sp>
-      <p:sp>
-        <p:nvSpPr>
-          <p:cNvPr id="15" name="Espaço Reservado para Conteúdo 2">
-            <a:extLst>
-              <a:ext uri="{FF2B5EF4-FFF2-40B4-BE49-F238E27FC236}">
-                <a16:creationId xmlns:a16="http://schemas.microsoft.com/office/drawing/2014/main" id="{5C5D24D2-FCE2-4BA4-9ED0-2096D1CB98C0}"/>
-              </a:ext>
-            </a:extLst>
-          </p:cNvPr>
-          <p:cNvSpPr>
-            <a:spLocks noGrp="1"/>
-          </p:cNvSpPr>
-          <p:nvPr>
-            <p:ph idx="1"/>
-          </p:nvPr>
-        </p:nvSpPr>
-        <p:spPr>
-          <a:xfrm>
-            <a:off x="1097280" y="1979223"/>
-            <a:ext cx="10058400" cy="4023360"/>
-          </a:xfrm>
-        </p:spPr>
-        <p:txBody>
-          <a:bodyPr>
-            <a:normAutofit/>
-          </a:bodyPr>
-          <a:lstStyle/>
-          <a:p>
-            <a:pPr>
-              <a:lnSpc>
-                <a:spcPct val="200000"/>
-              </a:lnSpc>
-              <a:buFont typeface="Arial" panose="020B0604020202020204" pitchFamily="34" charset="0"/>
-              <a:buChar char="•"/>
-            </a:pPr>
-            <a:r>
-              <a:rPr lang="pt-PT" sz="3600" dirty="0"/>
-              <a:t> Consequences to the Environment;</a:t>
-            </a:r>
-          </a:p>
-          <a:p>
-            <a:pPr>
-              <a:lnSpc>
-                <a:spcPct val="200000"/>
-              </a:lnSpc>
-              <a:buFont typeface="Arial" panose="020B0604020202020204" pitchFamily="34" charset="0"/>
-              <a:buChar char="•"/>
-            </a:pPr>
-            <a:r>
-              <a:rPr lang="pt-PT" sz="3600" dirty="0"/>
-              <a:t> Affects our Society; </a:t>
-            </a:r>
-          </a:p>
-          <a:p>
-            <a:pPr>
-              <a:lnSpc>
-                <a:spcPct val="200000"/>
-              </a:lnSpc>
-              <a:buFont typeface="Arial" panose="020B0604020202020204" pitchFamily="34" charset="0"/>
-              <a:buChar char="•"/>
-            </a:pPr>
-            <a:r>
-              <a:rPr lang="pt-PT" sz="3600" dirty="0"/>
-              <a:t> Cleaning is not 100% effective;</a:t>
-            </a:r>
-          </a:p>
-        </p:txBody>
-      </p:sp>
-    </p:spTree>
-    <p:extLst>
-      <p:ext uri="{BB962C8B-B14F-4D97-AF65-F5344CB8AC3E}">
-        <p14:creationId xmlns:p14="http://schemas.microsoft.com/office/powerpoint/2010/main" val="2677294624"/>
-      </p:ext>
-    </p:extLst>
-  </p:cSld>
-  <p:clrMapOvr>
-    <a:masterClrMapping/>
-  </p:clrMapOvr>
-</p:sld>
-</file>
-
-<file path=ppt/slides/slide6.xml><?xml version="1.0" encoding="utf-8"?>
-<p:sld xmlns:a="http://schemas.openxmlformats.org/drawingml/2006/main" xmlns:r="http://schemas.openxmlformats.org/officeDocument/2006/relationships" xmlns:p="http://schemas.openxmlformats.org/presentationml/2006/main">
-  <p:cSld>
-    <p:spTree>
-      <p:nvGrpSpPr>
-        <p:cNvPr id="1" name=""/>
-        <p:cNvGrpSpPr/>
-        <p:nvPr/>
-      </p:nvGrpSpPr>
-      <p:grpSpPr>
-        <a:xfrm>
-          <a:off x="0" y="0"/>
-          <a:ext cx="0" cy="0"/>
-          <a:chOff x="0" y="0"/>
-          <a:chExt cx="0" cy="0"/>
-        </a:xfrm>
-      </p:grpSpPr>
-      <p:sp>
-        <p:nvSpPr>
-          <p:cNvPr id="2" name="Título 1">
-            <a:extLst>
-              <a:ext uri="{FF2B5EF4-FFF2-40B4-BE49-F238E27FC236}">
-                <a16:creationId xmlns:a16="http://schemas.microsoft.com/office/drawing/2014/main" id="{0CB91956-06AD-4DA1-91F9-45EFC1A92DD4}"/>
-              </a:ext>
-            </a:extLst>
-          </p:cNvPr>
-          <p:cNvSpPr>
-            <a:spLocks noGrp="1"/>
-          </p:cNvSpPr>
-          <p:nvPr>
-            <p:ph type="title"/>
-          </p:nvPr>
-        </p:nvSpPr>
-        <p:spPr>
-          <a:xfrm>
-            <a:off x="984738" y="286603"/>
-            <a:ext cx="10424160" cy="1450757"/>
-          </a:xfrm>
-        </p:spPr>
-        <p:txBody>
-          <a:bodyPr/>
-          <a:lstStyle/>
-          <a:p>
-            <a:pPr algn="ctr"/>
-            <a:r>
-              <a:rPr lang="pt-PT" dirty="0"/>
-              <a:t>What is being done about this problem?</a:t>
-            </a:r>
-          </a:p>
-        </p:txBody>
-      </p:sp>
-      <p:sp>
-        <p:nvSpPr>
-          <p:cNvPr id="4" name="Espaço Reservado para Rodapé 3">
-            <a:extLst>
-              <a:ext uri="{FF2B5EF4-FFF2-40B4-BE49-F238E27FC236}">
-                <a16:creationId xmlns:a16="http://schemas.microsoft.com/office/drawing/2014/main" id="{8AF6406A-1BCE-4085-9734-C6B30111577C}"/>
-              </a:ext>
-            </a:extLst>
-          </p:cNvPr>
-          <p:cNvSpPr>
-            <a:spLocks noGrp="1"/>
-          </p:cNvSpPr>
-          <p:nvPr>
-            <p:ph type="ftr" sz="quarter" idx="11"/>
-          </p:nvPr>
-        </p:nvSpPr>
-        <p:spPr/>
-        <p:txBody>
-          <a:bodyPr/>
-          <a:lstStyle/>
-          <a:p>
-            <a:r>
-              <a:rPr lang="pt-PT"/>
-              <a:t>Francisco Modesto &amp; João Monteiro</a:t>
-            </a:r>
-          </a:p>
-        </p:txBody>
-      </p:sp>
-      <p:sp>
-        <p:nvSpPr>
-          <p:cNvPr id="5" name="Espaço Reservado para Número de Slide 4">
-            <a:extLst>
-              <a:ext uri="{FF2B5EF4-FFF2-40B4-BE49-F238E27FC236}">
-                <a16:creationId xmlns:a16="http://schemas.microsoft.com/office/drawing/2014/main" id="{0C7081CE-E5AB-4BD1-93E5-DA9383A6F12C}"/>
-              </a:ext>
-            </a:extLst>
-          </p:cNvPr>
-          <p:cNvSpPr>
-            <a:spLocks noGrp="1"/>
-          </p:cNvSpPr>
-          <p:nvPr>
-            <p:ph type="sldNum" sz="quarter" idx="12"/>
-          </p:nvPr>
-        </p:nvSpPr>
-        <p:spPr/>
-        <p:txBody>
-          <a:bodyPr/>
-          <a:lstStyle/>
-          <a:p>
-            <a:fld id="{0A29BB10-B433-40F1-AAE4-246F5BAEB777}" type="slidenum">
-              <a:rPr lang="pt-PT" smtClean="0"/>
-              <a:t>6</a:t>
-            </a:fld>
-            <a:endParaRPr lang="pt-PT"/>
-          </a:p>
-        </p:txBody>
-      </p:sp>
-      <p:sp>
-        <p:nvSpPr>
-          <p:cNvPr id="15" name="Espaço Reservado para Conteúdo 2">
-            <a:extLst>
-              <a:ext uri="{FF2B5EF4-FFF2-40B4-BE49-F238E27FC236}">
-                <a16:creationId xmlns:a16="http://schemas.microsoft.com/office/drawing/2014/main" id="{5C5D24D2-FCE2-4BA4-9ED0-2096D1CB98C0}"/>
-              </a:ext>
-            </a:extLst>
-          </p:cNvPr>
-          <p:cNvSpPr>
-            <a:spLocks noGrp="1"/>
-          </p:cNvSpPr>
-          <p:nvPr>
-            <p:ph idx="1"/>
-          </p:nvPr>
-        </p:nvSpPr>
-        <p:spPr>
-          <a:xfrm>
-            <a:off x="1097280" y="1979223"/>
-            <a:ext cx="10058400" cy="4023360"/>
-          </a:xfrm>
-        </p:spPr>
-        <p:txBody>
-          <a:bodyPr>
-            <a:normAutofit/>
-          </a:bodyPr>
-          <a:lstStyle/>
-          <a:p>
-            <a:pPr>
-              <a:lnSpc>
-                <a:spcPct val="200000"/>
-              </a:lnSpc>
-              <a:buFont typeface="Arial" panose="020B0604020202020204" pitchFamily="34" charset="0"/>
-              <a:buChar char="•"/>
-            </a:pPr>
-            <a:r>
-              <a:rPr lang="pt-PT" sz="3600" dirty="0"/>
-              <a:t> Awareness;</a:t>
-            </a:r>
-          </a:p>
-          <a:p>
-            <a:pPr>
-              <a:lnSpc>
-                <a:spcPct val="200000"/>
-              </a:lnSpc>
-              <a:buFont typeface="Arial" panose="020B0604020202020204" pitchFamily="34" charset="0"/>
-              <a:buChar char="•"/>
-            </a:pPr>
-            <a:r>
-              <a:rPr lang="pt-PT" sz="3600" dirty="0"/>
-              <a:t> Green Commitments / Programs and Projects; </a:t>
-            </a:r>
-          </a:p>
-          <a:p>
-            <a:pPr>
-              <a:lnSpc>
-                <a:spcPct val="200000"/>
-              </a:lnSpc>
-              <a:buFont typeface="Arial" panose="020B0604020202020204" pitchFamily="34" charset="0"/>
-              <a:buChar char="•"/>
-            </a:pPr>
-            <a:r>
-              <a:rPr lang="pt-PT" sz="3600" dirty="0"/>
-              <a:t> Cleaning Technology and Companies;</a:t>
-            </a:r>
-          </a:p>
-        </p:txBody>
-      </p:sp>
-    </p:spTree>
-    <p:extLst>
-      <p:ext uri="{BB962C8B-B14F-4D97-AF65-F5344CB8AC3E}">
-        <p14:creationId xmlns:p14="http://schemas.microsoft.com/office/powerpoint/2010/main" val="3226965200"/>
-      </p:ext>
-    </p:extLst>
-  </p:cSld>
-  <p:clrMapOvr>
-    <a:masterClrMapping/>
-  </p:clrMapOvr>
-</p:sld>
-</file>
-
-<file path=ppt/slides/slide7.xml><?xml version="1.0" encoding="utf-8"?>
-<p:sld xmlns:a="http://schemas.openxmlformats.org/drawingml/2006/main" xmlns:r="http://schemas.openxmlformats.org/officeDocument/2006/relationships" xmlns:p="http://schemas.openxmlformats.org/presentationml/2006/main">
-  <p:cSld>
-    <p:spTree>
-      <p:nvGrpSpPr>
-        <p:cNvPr id="1" name=""/>
-        <p:cNvGrpSpPr/>
-        <p:nvPr/>
-      </p:nvGrpSpPr>
-      <p:grpSpPr>
-        <a:xfrm>
-          <a:off x="0" y="0"/>
-          <a:ext cx="0" cy="0"/>
-          <a:chOff x="0" y="0"/>
-          <a:chExt cx="0" cy="0"/>
-        </a:xfrm>
-      </p:grpSpPr>
-      <p:sp>
-        <p:nvSpPr>
-          <p:cNvPr id="2" name="Título 1">
-            <a:extLst>
-              <a:ext uri="{FF2B5EF4-FFF2-40B4-BE49-F238E27FC236}">
-                <a16:creationId xmlns:a16="http://schemas.microsoft.com/office/drawing/2014/main" id="{0CB91956-06AD-4DA1-91F9-45EFC1A92DD4}"/>
-              </a:ext>
-            </a:extLst>
-          </p:cNvPr>
-          <p:cNvSpPr>
-            <a:spLocks noGrp="1"/>
-          </p:cNvSpPr>
-          <p:nvPr>
-            <p:ph type="title"/>
-          </p:nvPr>
-        </p:nvSpPr>
-        <p:spPr/>
-        <p:txBody>
-          <a:bodyPr/>
-          <a:lstStyle/>
-          <a:p>
-            <a:pPr algn="ctr"/>
-            <a:r>
-              <a:rPr lang="pt-PT" dirty="0"/>
-              <a:t>Why are we doing this?</a:t>
-            </a:r>
-          </a:p>
-        </p:txBody>
-      </p:sp>
-      <p:sp>
-        <p:nvSpPr>
-          <p:cNvPr id="3" name="Espaço Reservado para Conteúdo 2">
-            <a:extLst>
-              <a:ext uri="{FF2B5EF4-FFF2-40B4-BE49-F238E27FC236}">
-                <a16:creationId xmlns:a16="http://schemas.microsoft.com/office/drawing/2014/main" id="{F07FB2A5-0233-4684-80FE-B1BF9BC1B008}"/>
-              </a:ext>
-            </a:extLst>
-          </p:cNvPr>
-          <p:cNvSpPr>
-            <a:spLocks noGrp="1"/>
-          </p:cNvSpPr>
-          <p:nvPr>
-            <p:ph idx="1"/>
-          </p:nvPr>
-        </p:nvSpPr>
-        <p:spPr/>
-        <p:txBody>
-          <a:bodyPr>
-            <a:normAutofit/>
-          </a:bodyPr>
-          <a:lstStyle/>
-          <a:p>
-            <a:pPr>
-              <a:lnSpc>
-                <a:spcPct val="300000"/>
-              </a:lnSpc>
-              <a:buFont typeface="Arial" panose="020B0604020202020204" pitchFamily="34" charset="0"/>
-              <a:buChar char="•"/>
-            </a:pPr>
-            <a:r>
-              <a:rPr lang="pt-PT" sz="3600" dirty="0"/>
-              <a:t> The Danger of the Problem;</a:t>
-            </a:r>
-          </a:p>
-          <a:p>
-            <a:pPr>
-              <a:lnSpc>
-                <a:spcPct val="300000"/>
-              </a:lnSpc>
-              <a:buFont typeface="Arial" panose="020B0604020202020204" pitchFamily="34" charset="0"/>
-              <a:buChar char="•"/>
-            </a:pPr>
-            <a:r>
-              <a:rPr lang="pt-PT" sz="3600" dirty="0"/>
-              <a:t> Raise Awareness.</a:t>
-            </a:r>
-          </a:p>
-        </p:txBody>
-      </p:sp>
-      <p:sp>
-        <p:nvSpPr>
-          <p:cNvPr id="4" name="Espaço Reservado para Rodapé 3">
-            <a:extLst>
-              <a:ext uri="{FF2B5EF4-FFF2-40B4-BE49-F238E27FC236}">
-                <a16:creationId xmlns:a16="http://schemas.microsoft.com/office/drawing/2014/main" id="{8AF6406A-1BCE-4085-9734-C6B30111577C}"/>
-              </a:ext>
-            </a:extLst>
-          </p:cNvPr>
-          <p:cNvSpPr>
-            <a:spLocks noGrp="1"/>
-          </p:cNvSpPr>
-          <p:nvPr>
-            <p:ph type="ftr" sz="quarter" idx="11"/>
-          </p:nvPr>
-        </p:nvSpPr>
-        <p:spPr/>
-        <p:txBody>
-          <a:bodyPr/>
-          <a:lstStyle/>
-          <a:p>
-            <a:r>
-              <a:rPr lang="pt-PT"/>
-              <a:t>Francisco Modesto &amp; João Monteiro</a:t>
-            </a:r>
-          </a:p>
-        </p:txBody>
-      </p:sp>
-      <p:sp>
-        <p:nvSpPr>
-          <p:cNvPr id="5" name="Espaço Reservado para Número de Slide 4">
-            <a:extLst>
-              <a:ext uri="{FF2B5EF4-FFF2-40B4-BE49-F238E27FC236}">
-                <a16:creationId xmlns:a16="http://schemas.microsoft.com/office/drawing/2014/main" id="{0C7081CE-E5AB-4BD1-93E5-DA9383A6F12C}"/>
-              </a:ext>
-            </a:extLst>
-          </p:cNvPr>
-          <p:cNvSpPr>
-            <a:spLocks noGrp="1"/>
-          </p:cNvSpPr>
-          <p:nvPr>
-            <p:ph type="sldNum" sz="quarter" idx="12"/>
-          </p:nvPr>
-        </p:nvSpPr>
-        <p:spPr/>
-        <p:txBody>
-          <a:bodyPr/>
-          <a:lstStyle/>
-          <a:p>
-            <a:fld id="{0A29BB10-B433-40F1-AAE4-246F5BAEB777}" type="slidenum">
-              <a:rPr lang="pt-PT" smtClean="0"/>
-              <a:t>7</a:t>
-            </a:fld>
-            <a:endParaRPr lang="pt-PT"/>
-          </a:p>
-        </p:txBody>
-      </p:sp>
-    </p:spTree>
-    <p:extLst>
-      <p:ext uri="{BB962C8B-B14F-4D97-AF65-F5344CB8AC3E}">
-        <p14:creationId xmlns:p14="http://schemas.microsoft.com/office/powerpoint/2010/main" val="1589779580"/>
-      </p:ext>
-    </p:extLst>
-  </p:cSld>
-  <p:clrMapOvr>
-    <a:masterClrMapping/>
-  </p:clrMapOvr>
-</p:sld>
-</file>
-
-<file path=ppt/slides/slide8.xml><?xml version="1.0" encoding="utf-8"?>
-<p:sld xmlns:a="http://schemas.openxmlformats.org/drawingml/2006/main" xmlns:r="http://schemas.openxmlformats.org/officeDocument/2006/relationships" xmlns:p="http://schemas.openxmlformats.org/presentationml/2006/main">
-  <p:cSld>
-    <p:spTree>
-      <p:nvGrpSpPr>
-        <p:cNvPr id="1" name=""/>
-        <p:cNvGrpSpPr/>
-        <p:nvPr/>
-      </p:nvGrpSpPr>
-      <p:grpSpPr>
-        <a:xfrm>
-          <a:off x="0" y="0"/>
-          <a:ext cx="0" cy="0"/>
-          <a:chOff x="0" y="0"/>
-          <a:chExt cx="0" cy="0"/>
-        </a:xfrm>
-      </p:grpSpPr>
-      <p:sp>
-        <p:nvSpPr>
-          <p:cNvPr id="2" name="Título 1">
-            <a:extLst>
-              <a:ext uri="{FF2B5EF4-FFF2-40B4-BE49-F238E27FC236}">
-                <a16:creationId xmlns:a16="http://schemas.microsoft.com/office/drawing/2014/main" id="{0CB91956-06AD-4DA1-91F9-45EFC1A92DD4}"/>
-              </a:ext>
-            </a:extLst>
-          </p:cNvPr>
-          <p:cNvSpPr>
-            <a:spLocks noGrp="1"/>
-          </p:cNvSpPr>
-          <p:nvPr>
-            <p:ph type="title"/>
-          </p:nvPr>
-        </p:nvSpPr>
-        <p:spPr>
-          <a:xfrm>
-            <a:off x="984738" y="286603"/>
-            <a:ext cx="10424160" cy="1450757"/>
-          </a:xfrm>
-        </p:spPr>
-        <p:txBody>
-          <a:bodyPr/>
-          <a:lstStyle/>
-          <a:p>
-            <a:pPr algn="ctr"/>
-            <a:r>
-              <a:rPr lang="pt-PT" dirty="0"/>
-              <a:t>Proposed Solution</a:t>
-            </a:r>
-          </a:p>
-        </p:txBody>
-      </p:sp>
-      <p:sp>
-        <p:nvSpPr>
-          <p:cNvPr id="4" name="Espaço Reservado para Rodapé 3">
-            <a:extLst>
-              <a:ext uri="{FF2B5EF4-FFF2-40B4-BE49-F238E27FC236}">
-                <a16:creationId xmlns:a16="http://schemas.microsoft.com/office/drawing/2014/main" id="{8AF6406A-1BCE-4085-9734-C6B30111577C}"/>
-              </a:ext>
-            </a:extLst>
-          </p:cNvPr>
-          <p:cNvSpPr>
-            <a:spLocks noGrp="1"/>
-          </p:cNvSpPr>
-          <p:nvPr>
-            <p:ph type="ftr" sz="quarter" idx="11"/>
-          </p:nvPr>
-        </p:nvSpPr>
-        <p:spPr/>
-        <p:txBody>
-          <a:bodyPr/>
-          <a:lstStyle/>
-          <a:p>
-            <a:r>
-              <a:rPr lang="pt-PT"/>
-              <a:t>Francisco Modesto &amp; João Monteiro</a:t>
-            </a:r>
-          </a:p>
-        </p:txBody>
-      </p:sp>
-      <p:sp>
-        <p:nvSpPr>
-          <p:cNvPr id="5" name="Espaço Reservado para Número de Slide 4">
-            <a:extLst>
-              <a:ext uri="{FF2B5EF4-FFF2-40B4-BE49-F238E27FC236}">
-                <a16:creationId xmlns:a16="http://schemas.microsoft.com/office/drawing/2014/main" id="{0C7081CE-E5AB-4BD1-93E5-DA9383A6F12C}"/>
-              </a:ext>
-            </a:extLst>
-          </p:cNvPr>
-          <p:cNvSpPr>
-            <a:spLocks noGrp="1"/>
-          </p:cNvSpPr>
-          <p:nvPr>
-            <p:ph type="sldNum" sz="quarter" idx="12"/>
-          </p:nvPr>
-        </p:nvSpPr>
-        <p:spPr/>
-        <p:txBody>
-          <a:bodyPr/>
-          <a:lstStyle/>
-          <a:p>
-            <a:fld id="{0A29BB10-B433-40F1-AAE4-246F5BAEB777}" type="slidenum">
-              <a:rPr lang="pt-PT" smtClean="0"/>
-              <a:t>8</a:t>
-            </a:fld>
-            <a:endParaRPr lang="pt-PT"/>
-          </a:p>
-        </p:txBody>
-      </p:sp>
-      <p:pic>
-        <p:nvPicPr>
-          <p:cNvPr id="7" name="Imagem 6">
-            <a:extLst>
-              <a:ext uri="{FF2B5EF4-FFF2-40B4-BE49-F238E27FC236}">
-                <a16:creationId xmlns:a16="http://schemas.microsoft.com/office/drawing/2014/main" id="{6E74297F-597B-4013-8160-ADF47D6F2A43}"/>
-              </a:ext>
-            </a:extLst>
-          </p:cNvPr>
-          <p:cNvPicPr>
-            <a:picLocks noChangeAspect="1"/>
-          </p:cNvPicPr>
-          <p:nvPr/>
-        </p:nvPicPr>
-        <p:blipFill>
-          <a:blip r:embed="rId2"/>
-          <a:stretch>
-            <a:fillRect/>
-          </a:stretch>
-        </p:blipFill>
-        <p:spPr>
-          <a:xfrm>
-            <a:off x="3689359" y="2289609"/>
-            <a:ext cx="4819630" cy="3207250"/>
-          </a:xfrm>
-          <a:prstGeom prst="rect">
-            <a:avLst/>
-          </a:prstGeom>
-        </p:spPr>
-      </p:pic>
-    </p:spTree>
-    <p:extLst>
-      <p:ext uri="{BB962C8B-B14F-4D97-AF65-F5344CB8AC3E}">
-        <p14:creationId xmlns:p14="http://schemas.microsoft.com/office/powerpoint/2010/main" val="1260319158"/>
-      </p:ext>
-    </p:extLst>
-  </p:cSld>
-  <p:clrMapOvr>
-    <a:masterClrMapping/>
-  </p:clrMapOvr>
-</p:sld>
-</file>
-
-<file path=ppt/slides/slide9.xml><?xml version="1.0" encoding="utf-8"?>
-<p:sld xmlns:a="http://schemas.openxmlformats.org/drawingml/2006/main" xmlns:r="http://schemas.openxmlformats.org/officeDocument/2006/relationships" xmlns:p="http://schemas.openxmlformats.org/presentationml/2006/main">
-  <p:cSld>
-    <p:spTree>
-      <p:nvGrpSpPr>
-        <p:cNvPr id="1" name=""/>
-        <p:cNvGrpSpPr/>
-        <p:nvPr/>
-      </p:nvGrpSpPr>
-      <p:grpSpPr>
-        <a:xfrm>
-          <a:off x="0" y="0"/>
-          <a:ext cx="0" cy="0"/>
-          <a:chOff x="0" y="0"/>
-          <a:chExt cx="0" cy="0"/>
-        </a:xfrm>
-      </p:grpSpPr>
-      <p:sp>
-        <p:nvSpPr>
-          <p:cNvPr id="5" name="Título 4">
-            <a:extLst>
-              <a:ext uri="{FF2B5EF4-FFF2-40B4-BE49-F238E27FC236}">
-                <a16:creationId xmlns:a16="http://schemas.microsoft.com/office/drawing/2014/main" id="{E05BE524-FFD9-47F5-B6AE-87B3E333EF6E}"/>
-              </a:ext>
-            </a:extLst>
-          </p:cNvPr>
-          <p:cNvSpPr>
-            <a:spLocks noGrp="1"/>
-          </p:cNvSpPr>
-          <p:nvPr>
-            <p:ph type="ctrTitle"/>
-          </p:nvPr>
-        </p:nvSpPr>
-        <p:spPr>
-          <a:xfrm>
-            <a:off x="1066800" y="196947"/>
-            <a:ext cx="10058400" cy="3566160"/>
-          </a:xfrm>
-        </p:spPr>
-        <p:txBody>
-          <a:bodyPr>
-            <a:normAutofit/>
-          </a:bodyPr>
-          <a:lstStyle/>
-          <a:p>
-            <a:pPr algn="ctr"/>
-            <a:r>
-              <a:rPr lang="pt-PT" dirty="0"/>
-              <a:t>H</a:t>
-            </a:r>
-            <a:r>
-              <a:rPr lang="pt-PT" sz="4400" b="1" dirty="0"/>
-              <a:t>2</a:t>
-            </a:r>
-            <a:r>
-              <a:rPr lang="pt-PT" dirty="0"/>
-              <a:t>Oil-Project</a:t>
-            </a:r>
-          </a:p>
-        </p:txBody>
-      </p:sp>
-      <p:sp>
-        <p:nvSpPr>
-          <p:cNvPr id="7" name="Espaço Reservado para Rodapé 6">
-            <a:extLst>
-              <a:ext uri="{FF2B5EF4-FFF2-40B4-BE49-F238E27FC236}">
-                <a16:creationId xmlns:a16="http://schemas.microsoft.com/office/drawing/2014/main" id="{B1386C65-B746-4426-ADE4-3C82EDA620D0}"/>
-              </a:ext>
-            </a:extLst>
-          </p:cNvPr>
-          <p:cNvSpPr>
-            <a:spLocks noGrp="1"/>
-          </p:cNvSpPr>
-          <p:nvPr>
-            <p:ph type="ftr" sz="quarter" idx="11"/>
-          </p:nvPr>
-        </p:nvSpPr>
-        <p:spPr/>
-        <p:txBody>
-          <a:bodyPr/>
-          <a:lstStyle/>
-          <a:p>
-            <a:r>
-              <a:rPr lang="pt-PT"/>
-              <a:t>Francisco Modesto &amp; João Monteiro</a:t>
-            </a:r>
-          </a:p>
-        </p:txBody>
-      </p:sp>
-      <p:sp>
-        <p:nvSpPr>
-          <p:cNvPr id="8" name="Espaço Reservado para Número de Slide 7">
-            <a:extLst>
-              <a:ext uri="{FF2B5EF4-FFF2-40B4-BE49-F238E27FC236}">
-                <a16:creationId xmlns:a16="http://schemas.microsoft.com/office/drawing/2014/main" id="{CA92E790-31E2-43C2-85A7-5CA0A9970C0D}"/>
-              </a:ext>
-            </a:extLst>
-          </p:cNvPr>
-          <p:cNvSpPr>
-            <a:spLocks noGrp="1"/>
-          </p:cNvSpPr>
-          <p:nvPr>
-            <p:ph type="sldNum" sz="quarter" idx="12"/>
-          </p:nvPr>
-        </p:nvSpPr>
-        <p:spPr/>
-        <p:txBody>
-          <a:bodyPr/>
-          <a:lstStyle/>
-          <a:p>
-            <a:fld id="{0A29BB10-B433-40F1-AAE4-246F5BAEB777}" type="slidenum">
-              <a:rPr lang="pt-PT" smtClean="0"/>
-              <a:t>9</a:t>
-            </a:fld>
-            <a:endParaRPr lang="pt-PT"/>
-          </a:p>
-        </p:txBody>
-      </p:sp>
-    </p:spTree>
-    <p:extLst>
-      <p:ext uri="{BB962C8B-B14F-4D97-AF65-F5344CB8AC3E}">
-        <p14:creationId xmlns:p14="http://schemas.microsoft.com/office/powerpoint/2010/main" val="3089353002"/>
       </p:ext>
     </p:extLst>
   </p:cSld>
